--- a/BMS_Lab_Funktionsdesign und Implementierung.pptx
+++ b/BMS_Lab_Funktionsdesign und Implementierung.pptx
@@ -1115,7 +1115,7 @@
               <a:pPr>
                 <a:defRPr/>
               </a:pPr>
-              <a:t>‹Nr.›</a:t>
+              <a:t>‹#›</a:t>
             </a:fld>
             <a:endParaRPr lang="de-DE"/>
           </a:p>
@@ -1676,7 +1676,7 @@
               <a:pPr>
                 <a:defRPr/>
               </a:pPr>
-              <a:t>‹Nr.›</a:t>
+              <a:t>‹#›</a:t>
             </a:fld>
             <a:endParaRPr lang="de-DE"/>
           </a:p>
@@ -1900,7 +1900,7 @@
               <a:pPr>
                 <a:defRPr/>
               </a:pPr>
-              <a:t>‹Nr.›</a:t>
+              <a:t>‹#›</a:t>
             </a:fld>
             <a:endParaRPr lang="de-DE"/>
           </a:p>
@@ -2166,7 +2166,7 @@
               <a:pPr>
                 <a:defRPr/>
               </a:pPr>
-              <a:t>‹Nr.›</a:t>
+              <a:t>‹#›</a:t>
             </a:fld>
             <a:endParaRPr lang="de-DE"/>
           </a:p>
@@ -2428,7 +2428,7 @@
               <a:pPr>
                 <a:defRPr/>
               </a:pPr>
-              <a:t>‹Nr.›</a:t>
+              <a:t>‹#›</a:t>
             </a:fld>
             <a:endParaRPr lang="de-DE"/>
           </a:p>
@@ -2618,7 +2618,7 @@
               <a:pPr>
                 <a:defRPr/>
               </a:pPr>
-              <a:t>‹Nr.›</a:t>
+              <a:t>‹#›</a:t>
             </a:fld>
             <a:endParaRPr lang="de-DE"/>
           </a:p>
@@ -2885,7 +2885,7 @@
               <a:pPr>
                 <a:defRPr/>
               </a:pPr>
-              <a:t>‹Nr.›</a:t>
+              <a:t>‹#›</a:t>
             </a:fld>
             <a:endParaRPr lang="de-DE"/>
           </a:p>
@@ -3192,7 +3192,7 @@
               <a:pPr>
                 <a:defRPr/>
               </a:pPr>
-              <a:t>‹Nr.›</a:t>
+              <a:t>‹#›</a:t>
             </a:fld>
             <a:endParaRPr lang="de-DE"/>
           </a:p>
@@ -3633,7 +3633,7 @@
               <a:pPr>
                 <a:defRPr/>
               </a:pPr>
-              <a:t>‹Nr.›</a:t>
+              <a:t>‹#›</a:t>
             </a:fld>
             <a:endParaRPr lang="de-DE"/>
           </a:p>
@@ -3772,7 +3772,7 @@
               <a:pPr>
                 <a:defRPr/>
               </a:pPr>
-              <a:t>‹Nr.›</a:t>
+              <a:t>‹#›</a:t>
             </a:fld>
             <a:endParaRPr lang="de-DE"/>
           </a:p>
@@ -3889,7 +3889,7 @@
               <a:pPr>
                 <a:defRPr/>
               </a:pPr>
-              <a:t>‹Nr.›</a:t>
+              <a:t>‹#›</a:t>
             </a:fld>
             <a:endParaRPr lang="de-DE"/>
           </a:p>
@@ -4186,7 +4186,7 @@
               <a:pPr>
                 <a:defRPr/>
               </a:pPr>
-              <a:t>‹Nr.›</a:t>
+              <a:t>‹#›</a:t>
             </a:fld>
             <a:endParaRPr lang="de-DE"/>
           </a:p>
@@ -4415,7 +4415,7 @@
               <a:pPr>
                 <a:defRPr/>
               </a:pPr>
-              <a:t>‹Nr.›</a:t>
+              <a:t>‹#›</a:t>
             </a:fld>
             <a:endParaRPr lang="de-DE"/>
           </a:p>
@@ -4692,7 +4692,7 @@
               <a:pPr>
                 <a:defRPr/>
               </a:pPr>
-              <a:t>‹Nr.›</a:t>
+              <a:t>‹#›</a:t>
             </a:fld>
             <a:endParaRPr lang="de-DE"/>
           </a:p>
@@ -4882,7 +4882,7 @@
               <a:pPr>
                 <a:defRPr/>
               </a:pPr>
-              <a:t>‹Nr.›</a:t>
+              <a:t>‹#›</a:t>
             </a:fld>
             <a:endParaRPr lang="de-DE"/>
           </a:p>
@@ -5082,7 +5082,7 @@
               <a:pPr>
                 <a:defRPr/>
               </a:pPr>
-              <a:t>‹Nr.›</a:t>
+              <a:t>‹#›</a:t>
             </a:fld>
             <a:endParaRPr lang="de-DE"/>
           </a:p>
@@ -5221,7 +5221,7 @@
               <a:pPr>
                 <a:defRPr/>
               </a:pPr>
-              <a:t>‹Nr.›</a:t>
+              <a:t>‹#›</a:t>
             </a:fld>
             <a:endParaRPr lang="de-DE"/>
           </a:p>
@@ -5522,7 +5522,7 @@
               <a:pPr>
                 <a:defRPr/>
               </a:pPr>
-              <a:t>‹Nr.›</a:t>
+              <a:t>‹#›</a:t>
             </a:fld>
             <a:endParaRPr lang="de-DE"/>
           </a:p>
@@ -5863,7 +5863,7 @@
               <a:pPr>
                 <a:defRPr/>
               </a:pPr>
-              <a:t>‹Nr.›</a:t>
+              <a:t>‹#›</a:t>
             </a:fld>
             <a:endParaRPr lang="de-DE"/>
           </a:p>
@@ -6338,7 +6338,7 @@
               <a:pPr>
                 <a:defRPr/>
               </a:pPr>
-              <a:t>‹Nr.›</a:t>
+              <a:t>‹#›</a:t>
             </a:fld>
             <a:endParaRPr lang="de-DE"/>
           </a:p>
@@ -6511,7 +6511,7 @@
               <a:pPr>
                 <a:defRPr/>
               </a:pPr>
-              <a:t>‹Nr.›</a:t>
+              <a:t>‹#›</a:t>
             </a:fld>
             <a:endParaRPr lang="de-DE"/>
           </a:p>
@@ -6662,7 +6662,7 @@
               <a:pPr>
                 <a:defRPr/>
               </a:pPr>
-              <a:t>‹Nr.›</a:t>
+              <a:t>‹#›</a:t>
             </a:fld>
             <a:endParaRPr lang="de-DE"/>
           </a:p>
@@ -6993,7 +6993,7 @@
               <a:pPr>
                 <a:defRPr/>
               </a:pPr>
-              <a:t>‹Nr.›</a:t>
+              <a:t>‹#›</a:t>
             </a:fld>
             <a:endParaRPr lang="de-DE"/>
           </a:p>
@@ -7304,7 +7304,7 @@
               <a:pPr>
                 <a:defRPr/>
               </a:pPr>
-              <a:t>‹Nr.›</a:t>
+              <a:t>‹#›</a:t>
             </a:fld>
             <a:endParaRPr lang="de-DE"/>
           </a:p>
@@ -7555,7 +7555,7 @@
               <a:pPr>
                 <a:defRPr/>
               </a:pPr>
-              <a:t>‹Nr.›</a:t>
+              <a:t>‹#›</a:t>
             </a:fld>
             <a:endParaRPr lang="de-DE"/>
           </a:p>
@@ -8323,7 +8323,7 @@
               <a:pPr>
                 <a:defRPr/>
               </a:pPr>
-              <a:t>‹Nr.›</a:t>
+              <a:t>‹#›</a:t>
             </a:fld>
             <a:endParaRPr lang="de-DE"/>
           </a:p>
@@ -15797,21 +15797,6 @@
 </file>
 
 <file path=customXml/item1.xml><?xml version="1.0" encoding="utf-8"?>
-<p:properties xmlns:p="http://schemas.microsoft.com/office/2006/metadata/properties" xmlns:xsi="http://www.w3.org/2001/XMLSchema-instance" xmlns:pc="http://schemas.microsoft.com/office/infopath/2007/PartnerControls">
-  <documentManagement/>
-</p:properties>
-</file>
-
-<file path=customXml/item2.xml><?xml version="1.0" encoding="utf-8"?>
-<?mso-contentType ?>
-<FormTemplates xmlns="http://schemas.microsoft.com/sharepoint/v3/contenttype/forms">
-  <Display>DocumentLibraryForm</Display>
-  <Edit>DocumentLibraryForm</Edit>
-  <New>DocumentLibraryForm</New>
-</FormTemplates>
-</file>
-
-<file path=customXml/item3.xml><?xml version="1.0" encoding="utf-8"?>
 <ct:contentTypeSchema xmlns:ct="http://schemas.microsoft.com/office/2006/metadata/contentType" xmlns:ma="http://schemas.microsoft.com/office/2006/metadata/properties/metaAttributes" ct:_="" ma:_="" ma:contentTypeName="Dokument" ma:contentTypeID="0x01010078C5E6C582D1AA43BAF27751C3D140EA" ma:contentTypeVersion="14" ma:contentTypeDescription="Ein neues Dokument erstellen." ma:contentTypeScope="" ma:versionID="dfd9e3120996f1ece0247dfcf46c721e">
   <xsd:schema xmlns:xsd="http://www.w3.org/2001/XMLSchema" xmlns:xs="http://www.w3.org/2001/XMLSchema" xmlns:p="http://schemas.microsoft.com/office/2006/metadata/properties" xmlns:ns3="ad8f1922-f31f-471d-9bd3-92f5adc1fa65" xmlns:ns4="cb03da72-cbb2-43d4-ab44-22c439ee9e73" targetNamespace="http://schemas.microsoft.com/office/2006/metadata/properties" ma:root="true" ma:fieldsID="dfc2393b50b106d7e5d5fcfe0aa0e392" ns3:_="" ns4:_="">
     <xsd:import namespace="ad8f1922-f31f-471d-9bd3-92f5adc1fa65"/>
@@ -16040,7 +16025,41 @@
 </ct:contentTypeSchema>
 </file>
 
+<file path=customXml/item2.xml><?xml version="1.0" encoding="utf-8"?>
+<p:properties xmlns:p="http://schemas.microsoft.com/office/2006/metadata/properties" xmlns:xsi="http://www.w3.org/2001/XMLSchema-instance" xmlns:pc="http://schemas.microsoft.com/office/infopath/2007/PartnerControls">
+  <documentManagement/>
+</p:properties>
+</file>
+
+<file path=customXml/item3.xml><?xml version="1.0" encoding="utf-8"?>
+<?mso-contentType ?>
+<FormTemplates xmlns="http://schemas.microsoft.com/sharepoint/v3/contenttype/forms">
+  <Display>DocumentLibraryForm</Display>
+  <Edit>DocumentLibraryForm</Edit>
+  <New>DocumentLibraryForm</New>
+</FormTemplates>
+</file>
+
 <file path=customXml/itemProps1.xml><?xml version="1.0" encoding="utf-8"?>
+<ds:datastoreItem xmlns:ds="http://schemas.openxmlformats.org/officeDocument/2006/customXml" ds:itemID="{ADEC74E6-248B-485E-9A08-90BF5DE98A98}">
+  <ds:schemaRefs>
+    <ds:schemaRef ds:uri="ad8f1922-f31f-471d-9bd3-92f5adc1fa65"/>
+    <ds:schemaRef ds:uri="cb03da72-cbb2-43d4-ab44-22c439ee9e73"/>
+    <ds:schemaRef ds:uri="http://purl.org/dc/elements/1.1/"/>
+    <ds:schemaRef ds:uri="http://purl.org/dc/terms/"/>
+    <ds:schemaRef ds:uri="http://schemas.microsoft.com/internal/obd"/>
+    <ds:schemaRef ds:uri="http://schemas.microsoft.com/office/2006/documentManagement/types"/>
+    <ds:schemaRef ds:uri="http://schemas.microsoft.com/office/2006/metadata/contentType"/>
+    <ds:schemaRef ds:uri="http://schemas.microsoft.com/office/2006/metadata/properties"/>
+    <ds:schemaRef ds:uri="http://schemas.microsoft.com/office/2006/metadata/properties/metaAttributes"/>
+    <ds:schemaRef ds:uri="http://schemas.microsoft.com/office/infopath/2007/PartnerControls"/>
+    <ds:schemaRef ds:uri="http://schemas.openxmlformats.org/package/2006/metadata/core-properties"/>
+    <ds:schemaRef ds:uri="http://www.w3.org/2001/XMLSchema"/>
+  </ds:schemaRefs>
+</ds:datastoreItem>
+</file>
+
+<file path=customXml/itemProps2.xml><?xml version="1.0" encoding="utf-8"?>
 <ds:datastoreItem xmlns:ds="http://schemas.openxmlformats.org/officeDocument/2006/customXml" ds:itemID="{7EF94F45-2E23-4321-884B-70609BDD8A2C}">
   <ds:schemaRefs>
     <ds:schemaRef ds:uri="ad8f1922-f31f-471d-9bd3-92f5adc1fa65"/>
@@ -16057,29 +16076,10 @@
 </ds:datastoreItem>
 </file>
 
-<file path=customXml/itemProps2.xml><?xml version="1.0" encoding="utf-8"?>
+<file path=customXml/itemProps3.xml><?xml version="1.0" encoding="utf-8"?>
 <ds:datastoreItem xmlns:ds="http://schemas.openxmlformats.org/officeDocument/2006/customXml" ds:itemID="{32BC2F3B-C3DE-4DAB-ABE0-1C8C43DCF9C1}">
   <ds:schemaRefs>
     <ds:schemaRef ds:uri="http://schemas.microsoft.com/sharepoint/v3/contenttype/forms"/>
   </ds:schemaRefs>
 </ds:datastoreItem>
-</file>
-
-<file path=customXml/itemProps3.xml><?xml version="1.0" encoding="utf-8"?>
-<ds:datastoreItem xmlns:ds="http://schemas.openxmlformats.org/officeDocument/2006/customXml" ds:itemID="{ADEC74E6-248B-485E-9A08-90BF5DE98A98}">
-  <ds:schemaRefs>
-    <ds:schemaRef ds:uri="ad8f1922-f31f-471d-9bd3-92f5adc1fa65"/>
-    <ds:schemaRef ds:uri="cb03da72-cbb2-43d4-ab44-22c439ee9e73"/>
-    <ds:schemaRef ds:uri="http://purl.org/dc/elements/1.1/"/>
-    <ds:schemaRef ds:uri="http://purl.org/dc/terms/"/>
-    <ds:schemaRef ds:uri="http://schemas.microsoft.com/internal/obd"/>
-    <ds:schemaRef ds:uri="http://schemas.microsoft.com/office/2006/documentManagement/types"/>
-    <ds:schemaRef ds:uri="http://schemas.microsoft.com/office/2006/metadata/contentType"/>
-    <ds:schemaRef ds:uri="http://schemas.microsoft.com/office/2006/metadata/properties"/>
-    <ds:schemaRef ds:uri="http://schemas.microsoft.com/office/2006/metadata/properties/metaAttributes"/>
-    <ds:schemaRef ds:uri="http://schemas.microsoft.com/office/infopath/2007/PartnerControls"/>
-    <ds:schemaRef ds:uri="http://schemas.openxmlformats.org/package/2006/metadata/core-properties"/>
-    <ds:schemaRef ds:uri="http://www.w3.org/2001/XMLSchema"/>
-  </ds:schemaRefs>
-</ds:datastoreItem>
 </file>
--- a/BMS_Lab_Funktionsdesign und Implementierung.pptx
+++ b/BMS_Lab_Funktionsdesign und Implementierung.pptx
@@ -169,39 +169,13 @@
 <file path=ppt/revisionInfo.xml><?xml version="1.0" encoding="utf-8"?>
 <p1510:revInfo xmlns:a="http://schemas.openxmlformats.org/drawingml/2006/main" xmlns:r="http://schemas.openxmlformats.org/officeDocument/2006/relationships" xmlns:p1510="http://schemas.microsoft.com/office/powerpoint/2015/10/main">
   <p1510:revLst>
-    <p1510:client id="{6AAC7807-6946-4154-9562-BA18854C24BB}" v="17" dt="2022-05-21T13:06:21.282"/>
-    <p1510:client id="{918C429D-9D21-43A0-A347-14087EFF2081}" v="24" vWet="26" dt="2022-05-21T09:55:06.509"/>
-    <p1510:client id="{F4958633-A18C-4EDE-8A28-66C343083A52}" v="1197" dt="2022-05-21T13:01:44.320"/>
+    <p1510:client id="{F4958633-A18C-4EDE-8A28-66C343083A52}" v="1199" dt="2022-05-24T15:48:17.085"/>
   </p1510:revLst>
 </p1510:revInfo>
 </file>
 
 <file path=ppt/changesInfos/changesInfo1.xml><?xml version="1.0" encoding="utf-8"?>
 <pc:chgInfo xmlns:a="http://schemas.openxmlformats.org/drawingml/2006/main" xmlns:r="http://schemas.openxmlformats.org/officeDocument/2006/relationships" xmlns:ac="http://schemas.microsoft.com/office/drawing/2013/main/command" xmlns:pc="http://schemas.microsoft.com/office/powerpoint/2013/main/command">
-  <pc:docChgLst>
-    <pc:chgData name="mike schmidt" userId="7426d1f1f25c6664" providerId="Windows Live" clId="Web-{918C429D-9D21-43A0-A347-14087EFF2081}"/>
-    <pc:docChg chg="modSld">
-      <pc:chgData name="mike schmidt" userId="7426d1f1f25c6664" providerId="Windows Live" clId="Web-{918C429D-9D21-43A0-A347-14087EFF2081}" dt="2022-05-21T09:55:05.353" v="11" actId="20577"/>
-      <pc:docMkLst>
-        <pc:docMk/>
-      </pc:docMkLst>
-      <pc:sldChg chg="modSp">
-        <pc:chgData name="mike schmidt" userId="7426d1f1f25c6664" providerId="Windows Live" clId="Web-{918C429D-9D21-43A0-A347-14087EFF2081}" dt="2022-05-21T09:55:05.353" v="11" actId="20577"/>
-        <pc:sldMkLst>
-          <pc:docMk/>
-          <pc:sldMk cId="0" sldId="257"/>
-        </pc:sldMkLst>
-        <pc:spChg chg="mod">
-          <ac:chgData name="mike schmidt" userId="7426d1f1f25c6664" providerId="Windows Live" clId="Web-{918C429D-9D21-43A0-A347-14087EFF2081}" dt="2022-05-21T09:55:05.353" v="11" actId="20577"/>
-          <ac:spMkLst>
-            <pc:docMk/>
-            <pc:sldMk cId="0" sldId="257"/>
-            <ac:spMk id="30" creationId="{00000000-0000-0000-0000-000000000000}"/>
-          </ac:spMkLst>
-        </pc:spChg>
-      </pc:sldChg>
-    </pc:docChg>
-  </pc:docChgLst>
   <pc:docChgLst>
     <pc:chgData name="mike schmidt" userId="7426d1f1f25c6664" providerId="Windows Live" clId="Web-{6AAC7807-6946-4154-9562-BA18854C24BB}"/>
     <pc:docChg chg="modSld">
@@ -268,7 +242,7 @@
   <pc:docChgLst>
     <pc:chgData name="Leif Kahler" userId="5bc1ec70ba374ba0" providerId="LiveId" clId="{F4958633-A18C-4EDE-8A28-66C343083A52}"/>
     <pc:docChg chg="undo redo custSel addSld delSld modSld">
-      <pc:chgData name="Leif Kahler" userId="5bc1ec70ba374ba0" providerId="LiveId" clId="{F4958633-A18C-4EDE-8A28-66C343083A52}" dt="2022-05-21T13:01:44.320" v="2548" actId="20577"/>
+      <pc:chgData name="Leif Kahler" userId="5bc1ec70ba374ba0" providerId="LiveId" clId="{F4958633-A18C-4EDE-8A28-66C343083A52}" dt="2022-05-24T15:48:22.507" v="2617" actId="1076"/>
       <pc:docMkLst>
         <pc:docMk/>
       </pc:docMkLst>
@@ -505,7 +479,7 @@
         </pc:spChg>
       </pc:sldChg>
       <pc:sldChg chg="addSp delSp modSp add mod">
-        <pc:chgData name="Leif Kahler" userId="5bc1ec70ba374ba0" providerId="LiveId" clId="{F4958633-A18C-4EDE-8A28-66C343083A52}" dt="2022-05-21T10:39:15.328" v="1955" actId="404"/>
+        <pc:chgData name="Leif Kahler" userId="5bc1ec70ba374ba0" providerId="LiveId" clId="{F4958633-A18C-4EDE-8A28-66C343083A52}" dt="2022-05-24T15:47:47.340" v="2613" actId="207"/>
         <pc:sldMkLst>
           <pc:docMk/>
           <pc:sldMk cId="3449381336" sldId="334"/>
@@ -527,7 +501,7 @@
           </ac:spMkLst>
         </pc:spChg>
         <pc:graphicFrameChg chg="add mod modGraphic">
-          <ac:chgData name="Leif Kahler" userId="5bc1ec70ba374ba0" providerId="LiveId" clId="{F4958633-A18C-4EDE-8A28-66C343083A52}" dt="2022-05-21T10:26:56.883" v="1660" actId="20577"/>
+          <ac:chgData name="Leif Kahler" userId="5bc1ec70ba374ba0" providerId="LiveId" clId="{F4958633-A18C-4EDE-8A28-66C343083A52}" dt="2022-05-24T15:47:47.340" v="2613" actId="207"/>
           <ac:graphicFrameMkLst>
             <pc:docMk/>
             <pc:sldMk cId="3449381336" sldId="334"/>
@@ -691,8 +665,8 @@
           </ac:picMkLst>
         </pc:picChg>
       </pc:sldChg>
-      <pc:sldChg chg="addSp modSp new mod">
-        <pc:chgData name="Leif Kahler" userId="5bc1ec70ba374ba0" providerId="LiveId" clId="{F4958633-A18C-4EDE-8A28-66C343083A52}" dt="2022-05-21T12:00:15.285" v="2007" actId="1076"/>
+      <pc:sldChg chg="addSp delSp modSp new mod">
+        <pc:chgData name="Leif Kahler" userId="5bc1ec70ba374ba0" providerId="LiveId" clId="{F4958633-A18C-4EDE-8A28-66C343083A52}" dt="2022-05-24T15:48:22.507" v="2617" actId="1076"/>
         <pc:sldMkLst>
           <pc:docMk/>
           <pc:sldMk cId="1545081656" sldId="338"/>
@@ -713,12 +687,20 @@
             <ac:spMk id="3" creationId="{8C68B1EE-46BB-EE49-CF16-1E7621CD3BFB}"/>
           </ac:spMkLst>
         </pc:spChg>
-        <pc:picChg chg="add mod">
-          <ac:chgData name="Leif Kahler" userId="5bc1ec70ba374ba0" providerId="LiveId" clId="{F4958633-A18C-4EDE-8A28-66C343083A52}" dt="2022-05-21T12:00:15.285" v="2007" actId="1076"/>
+        <pc:picChg chg="add del mod">
+          <ac:chgData name="Leif Kahler" userId="5bc1ec70ba374ba0" providerId="LiveId" clId="{F4958633-A18C-4EDE-8A28-66C343083A52}" dt="2022-05-24T15:48:16.371" v="2615" actId="478"/>
           <ac:picMkLst>
             <pc:docMk/>
             <pc:sldMk cId="1545081656" sldId="338"/>
             <ac:picMk id="7" creationId="{8F5F03AC-BC4A-A3C8-083E-B10ACD598AD8}"/>
+          </ac:picMkLst>
+        </pc:picChg>
+        <pc:picChg chg="add mod">
+          <ac:chgData name="Leif Kahler" userId="5bc1ec70ba374ba0" providerId="LiveId" clId="{F4958633-A18C-4EDE-8A28-66C343083A52}" dt="2022-05-24T15:48:22.507" v="2617" actId="1076"/>
+          <ac:picMkLst>
+            <pc:docMk/>
+            <pc:sldMk cId="1545081656" sldId="338"/>
+            <ac:picMk id="8" creationId="{76388511-5446-398F-4EA9-106AD533E227}"/>
           </ac:picMkLst>
         </pc:picChg>
       </pc:sldChg>
@@ -754,7 +736,7 @@
         </pc:picChg>
       </pc:sldChg>
       <pc:sldChg chg="addSp delSp modSp new mod">
-        <pc:chgData name="Leif Kahler" userId="5bc1ec70ba374ba0" providerId="LiveId" clId="{F4958633-A18C-4EDE-8A28-66C343083A52}" dt="2022-05-21T11:45:19.565" v="2005" actId="1076"/>
+        <pc:chgData name="Leif Kahler" userId="5bc1ec70ba374ba0" providerId="LiveId" clId="{F4958633-A18C-4EDE-8A28-66C343083A52}" dt="2022-05-24T15:36:37.847" v="2552" actId="1076"/>
         <pc:sldMkLst>
           <pc:docMk/>
           <pc:sldMk cId="3684304728" sldId="340"/>
@@ -775,6 +757,14 @@
             <ac:spMk id="3" creationId="{A2D216E5-AD45-3CA9-20CF-7CDC03B5A532}"/>
           </ac:spMkLst>
         </pc:spChg>
+        <pc:picChg chg="add mod">
+          <ac:chgData name="Leif Kahler" userId="5bc1ec70ba374ba0" providerId="LiveId" clId="{F4958633-A18C-4EDE-8A28-66C343083A52}" dt="2022-05-24T15:36:37.847" v="2552" actId="1076"/>
+          <ac:picMkLst>
+            <pc:docMk/>
+            <pc:sldMk cId="3684304728" sldId="340"/>
+            <ac:picMk id="7" creationId="{A8A4BB2D-FEDA-AF39-FDA9-986793713838}"/>
+          </ac:picMkLst>
+        </pc:picChg>
         <pc:picChg chg="add del mod">
           <ac:chgData name="Leif Kahler" userId="5bc1ec70ba374ba0" providerId="LiveId" clId="{F4958633-A18C-4EDE-8A28-66C343083A52}" dt="2022-05-21T11:42:35.802" v="2000" actId="478"/>
           <ac:picMkLst>
@@ -783,8 +773,8 @@
             <ac:picMk id="7" creationId="{F12F3B16-CC90-87FE-5204-643E907ECC15}"/>
           </ac:picMkLst>
         </pc:picChg>
-        <pc:picChg chg="add mod">
-          <ac:chgData name="Leif Kahler" userId="5bc1ec70ba374ba0" providerId="LiveId" clId="{F4958633-A18C-4EDE-8A28-66C343083A52}" dt="2022-05-21T11:45:19.565" v="2005" actId="1076"/>
+        <pc:picChg chg="add del mod">
+          <ac:chgData name="Leif Kahler" userId="5bc1ec70ba374ba0" providerId="LiveId" clId="{F4958633-A18C-4EDE-8A28-66C343083A52}" dt="2022-05-24T15:36:33.295" v="2551" actId="478"/>
           <ac:picMkLst>
             <pc:docMk/>
             <pc:sldMk cId="3684304728" sldId="340"/>
@@ -817,6 +807,30 @@
       </pc:sldChg>
     </pc:docChg>
   </pc:docChgLst>
+  <pc:docChgLst>
+    <pc:chgData name="mike schmidt" userId="7426d1f1f25c6664" providerId="Windows Live" clId="Web-{918C429D-9D21-43A0-A347-14087EFF2081}"/>
+    <pc:docChg chg="modSld">
+      <pc:chgData name="mike schmidt" userId="7426d1f1f25c6664" providerId="Windows Live" clId="Web-{918C429D-9D21-43A0-A347-14087EFF2081}" dt="2022-05-21T09:55:05.353" v="11" actId="20577"/>
+      <pc:docMkLst>
+        <pc:docMk/>
+      </pc:docMkLst>
+      <pc:sldChg chg="modSp">
+        <pc:chgData name="mike schmidt" userId="7426d1f1f25c6664" providerId="Windows Live" clId="Web-{918C429D-9D21-43A0-A347-14087EFF2081}" dt="2022-05-21T09:55:05.353" v="11" actId="20577"/>
+        <pc:sldMkLst>
+          <pc:docMk/>
+          <pc:sldMk cId="0" sldId="257"/>
+        </pc:sldMkLst>
+        <pc:spChg chg="mod">
+          <ac:chgData name="mike schmidt" userId="7426d1f1f25c6664" providerId="Windows Live" clId="Web-{918C429D-9D21-43A0-A347-14087EFF2081}" dt="2022-05-21T09:55:05.353" v="11" actId="20577"/>
+          <ac:spMkLst>
+            <pc:docMk/>
+            <pc:sldMk cId="0" sldId="257"/>
+            <ac:spMk id="30" creationId="{00000000-0000-0000-0000-000000000000}"/>
+          </ac:spMkLst>
+        </pc:spChg>
+      </pc:sldChg>
+    </pc:docChg>
+  </pc:docChgLst>
 </pc:chgInfo>
 </file>
 
@@ -929,7 +943,7 @@
               <a:pPr>
                 <a:defRPr/>
               </a:pPr>
-              <a:t>21.05.2022</a:t>
+              <a:t>24.05.2022</a:t>
             </a:fld>
             <a:endParaRPr lang="de-DE"/>
           </a:p>
@@ -1115,7 +1129,7 @@
               <a:pPr>
                 <a:defRPr/>
               </a:pPr>
-              <a:t>‹#›</a:t>
+              <a:t>‹Nr.›</a:t>
             </a:fld>
             <a:endParaRPr lang="de-DE"/>
           </a:p>
@@ -1597,7 +1611,7 @@
             </a:pPr>
             <a:fld id="{05C21990-A76C-479D-BD93-793C07353670}" type="datetime1">
               <a:rPr lang="de-DE" smtClean="0"/>
-              <a:t>21.05.2022</a:t>
+              <a:t>24.05.2022</a:t>
             </a:fld>
             <a:endParaRPr lang="de-DE"/>
           </a:p>
@@ -1676,7 +1690,7 @@
               <a:pPr>
                 <a:defRPr/>
               </a:pPr>
-              <a:t>‹#›</a:t>
+              <a:t>‹Nr.›</a:t>
             </a:fld>
             <a:endParaRPr lang="de-DE"/>
           </a:p>
@@ -1821,7 +1835,7 @@
             </a:pPr>
             <a:fld id="{4863C32C-5047-4913-91B6-1CB0FE7AA80D}" type="datetime1">
               <a:rPr lang="de-DE" smtClean="0"/>
-              <a:t>21.05.2022</a:t>
+              <a:t>24.05.2022</a:t>
             </a:fld>
             <a:endParaRPr lang="de-DE"/>
           </a:p>
@@ -1900,7 +1914,7 @@
               <a:pPr>
                 <a:defRPr/>
               </a:pPr>
-              <a:t>‹#›</a:t>
+              <a:t>‹Nr.›</a:t>
             </a:fld>
             <a:endParaRPr lang="de-DE"/>
           </a:p>
@@ -2087,7 +2101,7 @@
             </a:pPr>
             <a:fld id="{F67F4B12-E06B-4AAF-A146-16C4C7C249C9}" type="datetime1">
               <a:rPr lang="de-DE" smtClean="0"/>
-              <a:t>21.05.2022</a:t>
+              <a:t>24.05.2022</a:t>
             </a:fld>
             <a:endParaRPr lang="de-DE"/>
           </a:p>
@@ -2166,7 +2180,7 @@
               <a:pPr>
                 <a:defRPr/>
               </a:pPr>
-              <a:t>‹#›</a:t>
+              <a:t>‹Nr.›</a:t>
             </a:fld>
             <a:endParaRPr lang="de-DE"/>
           </a:p>
@@ -2366,7 +2380,7 @@
             </a:pPr>
             <a:fld id="{D48E9C6D-659A-49E4-937F-1202F7545968}" type="datetime1">
               <a:rPr lang="de-DE" smtClean="0"/>
-              <a:t>21.05.2022</a:t>
+              <a:t>24.05.2022</a:t>
             </a:fld>
             <a:endParaRPr lang="de-DE"/>
           </a:p>
@@ -2428,7 +2442,7 @@
               <a:pPr>
                 <a:defRPr/>
               </a:pPr>
-              <a:t>‹#›</a:t>
+              <a:t>‹Nr.›</a:t>
             </a:fld>
             <a:endParaRPr lang="de-DE"/>
           </a:p>
@@ -2556,7 +2570,7 @@
             </a:pPr>
             <a:fld id="{E139B75B-1FE4-4F27-AAE7-E55405DA13B5}" type="datetime1">
               <a:rPr lang="de-DE" smtClean="0"/>
-              <a:t>21.05.2022</a:t>
+              <a:t>24.05.2022</a:t>
             </a:fld>
             <a:endParaRPr lang="de-DE"/>
           </a:p>
@@ -2618,7 +2632,7 @@
               <a:pPr>
                 <a:defRPr/>
               </a:pPr>
-              <a:t>‹#›</a:t>
+              <a:t>‹Nr.›</a:t>
             </a:fld>
             <a:endParaRPr lang="de-DE"/>
           </a:p>
@@ -2823,7 +2837,7 @@
             </a:pPr>
             <a:fld id="{03E1F47B-6B9C-4A9A-A23D-7F85A36E794E}" type="datetime1">
               <a:rPr lang="de-DE" smtClean="0"/>
-              <a:t>21.05.2022</a:t>
+              <a:t>24.05.2022</a:t>
             </a:fld>
             <a:endParaRPr lang="de-DE"/>
           </a:p>
@@ -2885,7 +2899,7 @@
               <a:pPr>
                 <a:defRPr/>
               </a:pPr>
-              <a:t>‹#›</a:t>
+              <a:t>‹Nr.›</a:t>
             </a:fld>
             <a:endParaRPr lang="de-DE"/>
           </a:p>
@@ -3130,7 +3144,7 @@
             </a:pPr>
             <a:fld id="{2E235EA4-38D3-4AD6-8B3F-E4F52D215B0D}" type="datetime1">
               <a:rPr lang="de-DE" smtClean="0"/>
-              <a:t>21.05.2022</a:t>
+              <a:t>24.05.2022</a:t>
             </a:fld>
             <a:endParaRPr lang="de-DE"/>
           </a:p>
@@ -3192,7 +3206,7 @@
               <a:pPr>
                 <a:defRPr/>
               </a:pPr>
-              <a:t>‹#›</a:t>
+              <a:t>‹Nr.›</a:t>
             </a:fld>
             <a:endParaRPr lang="de-DE"/>
           </a:p>
@@ -3571,7 +3585,7 @@
             </a:pPr>
             <a:fld id="{FFA3E44D-AF87-45DF-B8A4-6CB29D255EDC}" type="datetime1">
               <a:rPr lang="de-DE" smtClean="0"/>
-              <a:t>21.05.2022</a:t>
+              <a:t>24.05.2022</a:t>
             </a:fld>
             <a:endParaRPr lang="de-DE"/>
           </a:p>
@@ -3633,7 +3647,7 @@
               <a:pPr>
                 <a:defRPr/>
               </a:pPr>
-              <a:t>‹#›</a:t>
+              <a:t>‹Nr.›</a:t>
             </a:fld>
             <a:endParaRPr lang="de-DE"/>
           </a:p>
@@ -3710,7 +3724,7 @@
             </a:pPr>
             <a:fld id="{80270855-99F0-4265-BEEC-AE023DEA8C26}" type="datetime1">
               <a:rPr lang="de-DE" smtClean="0"/>
-              <a:t>21.05.2022</a:t>
+              <a:t>24.05.2022</a:t>
             </a:fld>
             <a:endParaRPr lang="de-DE"/>
           </a:p>
@@ -3772,7 +3786,7 @@
               <a:pPr>
                 <a:defRPr/>
               </a:pPr>
-              <a:t>‹#›</a:t>
+              <a:t>‹Nr.›</a:t>
             </a:fld>
             <a:endParaRPr lang="de-DE"/>
           </a:p>
@@ -3827,7 +3841,7 @@
             </a:pPr>
             <a:fld id="{284DACFC-D45A-40E1-AE35-2876D93DEE43}" type="datetime1">
               <a:rPr lang="de-DE" smtClean="0"/>
-              <a:t>21.05.2022</a:t>
+              <a:t>24.05.2022</a:t>
             </a:fld>
             <a:endParaRPr lang="de-DE"/>
           </a:p>
@@ -3889,7 +3903,7 @@
               <a:pPr>
                 <a:defRPr/>
               </a:pPr>
-              <a:t>‹#›</a:t>
+              <a:t>‹Nr.›</a:t>
             </a:fld>
             <a:endParaRPr lang="de-DE"/>
           </a:p>
@@ -4124,7 +4138,7 @@
             </a:pPr>
             <a:fld id="{F010C9BE-E72C-4CF0-A3DF-149A2F73590B}" type="datetime1">
               <a:rPr lang="de-DE" smtClean="0"/>
-              <a:t>21.05.2022</a:t>
+              <a:t>24.05.2022</a:t>
             </a:fld>
             <a:endParaRPr lang="de-DE"/>
           </a:p>
@@ -4186,7 +4200,7 @@
               <a:pPr>
                 <a:defRPr/>
               </a:pPr>
-              <a:t>‹#›</a:t>
+              <a:t>‹Nr.›</a:t>
             </a:fld>
             <a:endParaRPr lang="de-DE"/>
           </a:p>
@@ -4336,7 +4350,7 @@
             </a:pPr>
             <a:fld id="{053CC250-0F2B-454B-BB04-55CD16297F31}" type="datetime1">
               <a:rPr lang="de-DE" smtClean="0"/>
-              <a:t>21.05.2022</a:t>
+              <a:t>24.05.2022</a:t>
             </a:fld>
             <a:endParaRPr lang="de-DE"/>
           </a:p>
@@ -4415,7 +4429,7 @@
               <a:pPr>
                 <a:defRPr/>
               </a:pPr>
-              <a:t>‹#›</a:t>
+              <a:t>‹Nr.›</a:t>
             </a:fld>
             <a:endParaRPr lang="de-DE"/>
           </a:p>
@@ -4630,7 +4644,7 @@
             </a:pPr>
             <a:fld id="{17AB4481-4EAA-479E-8468-26A33CC366AB}" type="datetime1">
               <a:rPr lang="de-DE" smtClean="0"/>
-              <a:t>21.05.2022</a:t>
+              <a:t>24.05.2022</a:t>
             </a:fld>
             <a:endParaRPr lang="de-DE"/>
           </a:p>
@@ -4692,7 +4706,7 @@
               <a:pPr>
                 <a:defRPr/>
               </a:pPr>
-              <a:t>‹#›</a:t>
+              <a:t>‹Nr.›</a:t>
             </a:fld>
             <a:endParaRPr lang="de-DE"/>
           </a:p>
@@ -4820,7 +4834,7 @@
             </a:pPr>
             <a:fld id="{B9897412-5F82-4370-A44B-124450DCAF59}" type="datetime1">
               <a:rPr lang="de-DE" smtClean="0"/>
-              <a:t>21.05.2022</a:t>
+              <a:t>24.05.2022</a:t>
             </a:fld>
             <a:endParaRPr lang="de-DE"/>
           </a:p>
@@ -4882,7 +4896,7 @@
               <a:pPr>
                 <a:defRPr/>
               </a:pPr>
-              <a:t>‹#›</a:t>
+              <a:t>‹Nr.›</a:t>
             </a:fld>
             <a:endParaRPr lang="de-DE"/>
           </a:p>
@@ -5020,7 +5034,7 @@
             </a:pPr>
             <a:fld id="{0BFD5C96-DDF7-406E-8A4C-011BDD077942}" type="datetime1">
               <a:rPr lang="de-DE" smtClean="0"/>
-              <a:t>21.05.2022</a:t>
+              <a:t>24.05.2022</a:t>
             </a:fld>
             <a:endParaRPr lang="de-DE"/>
           </a:p>
@@ -5082,7 +5096,7 @@
               <a:pPr>
                 <a:defRPr/>
               </a:pPr>
-              <a:t>‹#›</a:t>
+              <a:t>‹Nr.›</a:t>
             </a:fld>
             <a:endParaRPr lang="de-DE"/>
           </a:p>
@@ -5159,7 +5173,7 @@
             </a:pPr>
             <a:fld id="{1DF0A8B9-CEE5-4C8E-A546-100E1EB07701}" type="datetime1">
               <a:rPr lang="de-DE" smtClean="0"/>
-              <a:t>21.05.2022</a:t>
+              <a:t>24.05.2022</a:t>
             </a:fld>
             <a:endParaRPr lang="de-DE"/>
           </a:p>
@@ -5221,7 +5235,7 @@
               <a:pPr>
                 <a:defRPr/>
               </a:pPr>
-              <a:t>‹#›</a:t>
+              <a:t>‹Nr.›</a:t>
             </a:fld>
             <a:endParaRPr lang="de-DE"/>
           </a:p>
@@ -5443,7 +5457,7 @@
             </a:pPr>
             <a:fld id="{8937FB08-320E-4AD1-A49C-D7BC9A1E77F8}" type="datetime1">
               <a:rPr lang="de-DE" smtClean="0"/>
-              <a:t>21.05.2022</a:t>
+              <a:t>24.05.2022</a:t>
             </a:fld>
             <a:endParaRPr lang="de-DE"/>
           </a:p>
@@ -5522,7 +5536,7 @@
               <a:pPr>
                 <a:defRPr/>
               </a:pPr>
-              <a:t>‹#›</a:t>
+              <a:t>‹Nr.›</a:t>
             </a:fld>
             <a:endParaRPr lang="de-DE"/>
           </a:p>
@@ -5784,7 +5798,7 @@
             </a:pPr>
             <a:fld id="{58113BE7-EBFD-43EA-917F-80EBFA021C1F}" type="datetime1">
               <a:rPr lang="de-DE" smtClean="0"/>
-              <a:t>21.05.2022</a:t>
+              <a:t>24.05.2022</a:t>
             </a:fld>
             <a:endParaRPr lang="de-DE"/>
           </a:p>
@@ -5863,7 +5877,7 @@
               <a:pPr>
                 <a:defRPr/>
               </a:pPr>
-              <a:t>‹#›</a:t>
+              <a:t>‹Nr.›</a:t>
             </a:fld>
             <a:endParaRPr lang="de-DE"/>
           </a:p>
@@ -6259,7 +6273,7 @@
             </a:pPr>
             <a:fld id="{1A40806B-C8D4-449A-B0E0-896184CABCEC}" type="datetime1">
               <a:rPr lang="de-DE" smtClean="0"/>
-              <a:t>21.05.2022</a:t>
+              <a:t>24.05.2022</a:t>
             </a:fld>
             <a:endParaRPr lang="de-DE"/>
           </a:p>
@@ -6338,7 +6352,7 @@
               <a:pPr>
                 <a:defRPr/>
               </a:pPr>
-              <a:t>‹#›</a:t>
+              <a:t>‹Nr.›</a:t>
             </a:fld>
             <a:endParaRPr lang="de-DE"/>
           </a:p>
@@ -6432,7 +6446,7 @@
             </a:pPr>
             <a:fld id="{9C6ADB54-D6F0-43C1-B95C-601E2FA33711}" type="datetime1">
               <a:rPr lang="de-DE" smtClean="0"/>
-              <a:t>21.05.2022</a:t>
+              <a:t>24.05.2022</a:t>
             </a:fld>
             <a:endParaRPr lang="de-DE"/>
           </a:p>
@@ -6511,7 +6525,7 @@
               <a:pPr>
                 <a:defRPr/>
               </a:pPr>
-              <a:t>‹#›</a:t>
+              <a:t>‹Nr.›</a:t>
             </a:fld>
             <a:endParaRPr lang="de-DE"/>
           </a:p>
@@ -6583,7 +6597,7 @@
             </a:pPr>
             <a:fld id="{D8C23801-30AC-4221-B0BA-B3403E06BB45}" type="datetime1">
               <a:rPr lang="de-DE" smtClean="0"/>
-              <a:t>21.05.2022</a:t>
+              <a:t>24.05.2022</a:t>
             </a:fld>
             <a:endParaRPr lang="de-DE"/>
           </a:p>
@@ -6662,7 +6676,7 @@
               <a:pPr>
                 <a:defRPr/>
               </a:pPr>
-              <a:t>‹#›</a:t>
+              <a:t>‹Nr.›</a:t>
             </a:fld>
             <a:endParaRPr lang="de-DE"/>
           </a:p>
@@ -6914,7 +6928,7 @@
             </a:pPr>
             <a:fld id="{E6621349-D84A-49C6-814D-E8B6BCC50D34}" type="datetime1">
               <a:rPr lang="de-DE" smtClean="0"/>
-              <a:t>21.05.2022</a:t>
+              <a:t>24.05.2022</a:t>
             </a:fld>
             <a:endParaRPr lang="de-DE"/>
           </a:p>
@@ -6993,7 +7007,7 @@
               <a:pPr>
                 <a:defRPr/>
               </a:pPr>
-              <a:t>‹#›</a:t>
+              <a:t>‹Nr.›</a:t>
             </a:fld>
             <a:endParaRPr lang="de-DE"/>
           </a:p>
@@ -7225,7 +7239,7 @@
             </a:pPr>
             <a:fld id="{B55CEF64-E874-4154-8DDD-58BEDCC55658}" type="datetime1">
               <a:rPr lang="de-DE" smtClean="0"/>
-              <a:t>21.05.2022</a:t>
+              <a:t>24.05.2022</a:t>
             </a:fld>
             <a:endParaRPr lang="de-DE"/>
           </a:p>
@@ -7304,7 +7318,7 @@
               <a:pPr>
                 <a:defRPr/>
               </a:pPr>
-              <a:t>‹#›</a:t>
+              <a:t>‹Nr.›</a:t>
             </a:fld>
             <a:endParaRPr lang="de-DE"/>
           </a:p>
@@ -7555,7 +7569,7 @@
               <a:pPr>
                 <a:defRPr/>
               </a:pPr>
-              <a:t>‹#›</a:t>
+              <a:t>‹Nr.›</a:t>
             </a:fld>
             <a:endParaRPr lang="de-DE"/>
           </a:p>
@@ -8233,7 +8247,7 @@
             </a:pPr>
             <a:fld id="{F4B93059-B7C0-490E-96D6-54C458308042}" type="datetime1">
               <a:rPr lang="de-DE" smtClean="0"/>
-              <a:t>21.05.2022</a:t>
+              <a:t>24.05.2022</a:t>
             </a:fld>
             <a:endParaRPr lang="de-DE"/>
           </a:p>
@@ -8323,7 +8337,7 @@
               <a:pPr>
                 <a:defRPr/>
               </a:pPr>
-              <a:t>‹#›</a:t>
+              <a:t>‹Nr.›</a:t>
             </a:fld>
             <a:endParaRPr lang="de-DE"/>
           </a:p>
@@ -9074,7 +9088,7 @@
               <a:rPr lang="de-DE" smtClean="0">
                 <a:ea typeface="Microsoft JhengHei UI" panose="020B0604030504040204" pitchFamily="34" charset="-120"/>
               </a:rPr>
-              <a:t>21.05.2022</a:t>
+              <a:t>24.05.2022</a:t>
             </a:fld>
             <a:endParaRPr lang="de-DE">
               <a:ea typeface="Microsoft JhengHei UI" panose="020B0604030504040204" pitchFamily="34" charset="-120"/>
@@ -9292,7 +9306,7 @@
             </a:pPr>
             <a:fld id="{053CC250-0F2B-454B-BB04-55CD16297F31}" type="datetime1">
               <a:rPr lang="de-DE" smtClean="0"/>
-              <a:t>21.05.2022</a:t>
+              <a:t>24.05.2022</a:t>
             </a:fld>
             <a:endParaRPr lang="de-DE"/>
           </a:p>
@@ -9525,7 +9539,7 @@
             </a:pPr>
             <a:fld id="{053CC250-0F2B-454B-BB04-55CD16297F31}" type="datetime1">
               <a:rPr lang="de-DE" smtClean="0"/>
-              <a:t>21.05.2022</a:t>
+              <a:t>24.05.2022</a:t>
             </a:fld>
             <a:endParaRPr lang="de-DE"/>
           </a:p>
@@ -9754,7 +9768,7 @@
             </a:pPr>
             <a:fld id="{053CC250-0F2B-454B-BB04-55CD16297F31}" type="datetime1">
               <a:rPr lang="de-DE" smtClean="0"/>
-              <a:t>21.05.2022</a:t>
+              <a:t>24.05.2022</a:t>
             </a:fld>
             <a:endParaRPr lang="de-DE"/>
           </a:p>
@@ -9880,7 +9894,7 @@
             </a:pPr>
             <a:fld id="{053CC250-0F2B-454B-BB04-55CD16297F31}" type="datetime1">
               <a:rPr lang="de-DE" smtClean="0"/>
-              <a:t>21.05.2022</a:t>
+              <a:t>24.05.2022</a:t>
             </a:fld>
             <a:endParaRPr lang="de-DE"/>
           </a:p>
@@ -9933,14 +9947,14 @@
             <p:ph idx="1"/>
             <p:extLst>
               <p:ext uri="{D42A27DB-BD31-4B8C-83A1-F6EECF244321}">
-                <p14:modId xmlns:p14="http://schemas.microsoft.com/office/powerpoint/2010/main" val="2250386791"/>
+                <p14:modId xmlns:p14="http://schemas.microsoft.com/office/powerpoint/2010/main" val="2962670535"/>
               </p:ext>
             </p:extLst>
           </p:nvPr>
         </p:nvGraphicFramePr>
         <p:xfrm>
           <a:off x="74815" y="1629296"/>
-          <a:ext cx="8969432" cy="4410290"/>
+          <a:ext cx="8969432" cy="4418308"/>
         </p:xfrm>
         <a:graphic>
           <a:graphicData uri="http://schemas.openxmlformats.org/drawingml/2006/table">
@@ -12894,7 +12908,7 @@
                     <a:p>
                       <a:pPr algn="l" fontAlgn="b"/>
                       <a:r>
-                        <a:rPr lang="de-DE" sz="700" b="0" i="0" u="none" strike="noStrike">
+                        <a:rPr lang="de-DE" sz="700" b="0" i="0" u="none" strike="noStrike" dirty="0">
                           <a:solidFill>
                             <a:srgbClr val="000000"/>
                           </a:solidFill>
@@ -12904,7 +12918,7 @@
                         <a:t>Sobald die </a:t>
                       </a:r>
                       <a:r>
-                        <a:rPr lang="de-DE" sz="700" b="0" i="0" u="none" strike="noStrike">
+                        <a:rPr lang="de-DE" sz="700" b="0" i="0" u="none" strike="noStrike" dirty="0">
                           <a:solidFill>
                             <a:srgbClr val="FF0000"/>
                           </a:solidFill>
@@ -12914,7 +12928,7 @@
                         <a:t>höchste</a:t>
                       </a:r>
                       <a:r>
-                        <a:rPr lang="de-DE" sz="700" b="0" i="0" u="none" strike="noStrike">
+                        <a:rPr lang="de-DE" sz="700" b="0" i="0" u="none" strike="noStrike" dirty="0">
                           <a:solidFill>
                             <a:srgbClr val="000000"/>
                           </a:solidFill>
@@ -12924,7 +12938,7 @@
                         <a:t> Spannungsdifferenz </a:t>
                       </a:r>
                       <a:r>
-                        <a:rPr lang="de-DE" sz="700" b="0" i="0" u="none" strike="noStrike">
+                        <a:rPr lang="de-DE" sz="700" b="0" i="0" u="none" strike="noStrike" dirty="0">
                           <a:solidFill>
                             <a:srgbClr val="FF0000"/>
                           </a:solidFill>
@@ -12934,7 +12948,7 @@
                         <a:t>zwischen 2 Zellen </a:t>
                       </a:r>
                       <a:r>
-                        <a:rPr lang="de-DE" sz="700" b="0" i="0" u="none" strike="sngStrike">
+                        <a:rPr lang="de-DE" sz="700" b="0" i="0" u="none" strike="sngStrike" dirty="0">
                           <a:solidFill>
                             <a:srgbClr val="FF0000"/>
                           </a:solidFill>
@@ -12944,7 +12958,7 @@
                         <a:t>länger als 1 Minute</a:t>
                       </a:r>
                       <a:r>
-                        <a:rPr lang="de-DE" sz="700" b="0" i="0" u="none" strike="noStrike">
+                        <a:rPr lang="de-DE" sz="700" b="0" i="0" u="none" strike="noStrike" dirty="0">
                           <a:solidFill>
                             <a:srgbClr val="FF0000"/>
                           </a:solidFill>
@@ -12954,17 +12968,57 @@
                         <a:t>  </a:t>
                       </a:r>
                       <a:r>
-                        <a:rPr lang="de-DE" sz="700" b="0" i="0" u="none" strike="noStrike">
+                        <a:rPr lang="de-DE" sz="700" b="0" i="0" u="none" strike="noStrike" dirty="0">
                           <a:solidFill>
                             <a:srgbClr val="000000"/>
                           </a:solidFill>
                           <a:effectLst/>
                           <a:latin typeface="Calibri" panose="020F0502020204030204" pitchFamily="34" charset="0"/>
                         </a:rPr>
-                        <a:t>größer als 0.2V ist, soll so lange gebalanced werden, bis die </a:t>
+                        <a:t>größer als 0.3V ist </a:t>
                       </a:r>
                       <a:r>
-                        <a:rPr lang="de-DE" sz="700" b="0" i="0" u="none" strike="noStrike">
+                        <a:rPr lang="de-DE" sz="700" b="0" i="0" u="none" strike="noStrike" dirty="0">
+                          <a:solidFill>
+                            <a:srgbClr val="FF0000"/>
+                          </a:solidFill>
+                          <a:effectLst/>
+                          <a:latin typeface="Calibri" panose="020F0502020204030204" pitchFamily="34" charset="0"/>
+                        </a:rPr>
+                        <a:t>und die höchste Zellspannung &gt; 4,1V</a:t>
+                      </a:r>
+                      <a:r>
+                        <a:rPr lang="de-DE" sz="700" b="0" i="0" u="none" strike="noStrike" dirty="0">
+                          <a:solidFill>
+                            <a:srgbClr val="000000"/>
+                          </a:solidFill>
+                          <a:effectLst/>
+                          <a:latin typeface="Calibri" panose="020F0502020204030204" pitchFamily="34" charset="0"/>
+                        </a:rPr>
+                        <a:t>, soll so lange </a:t>
+                      </a:r>
+                      <a:r>
+                        <a:rPr lang="de-DE" sz="700" b="0" i="0" u="none" strike="noStrike" dirty="0" err="1">
+                          <a:solidFill>
+                            <a:srgbClr val="000000"/>
+                          </a:solidFill>
+                          <a:effectLst/>
+                          <a:latin typeface="Calibri" panose="020F0502020204030204" pitchFamily="34" charset="0"/>
+                        </a:rPr>
+                        <a:t>gebalanced</a:t>
+                      </a:r>
+                      <a:r>
+                        <a:rPr lang="de-DE" sz="700" b="0" i="0" u="none" strike="noStrike" dirty="0">
+                          <a:solidFill>
+                            <a:srgbClr val="000000"/>
+                          </a:solidFill>
+                          <a:effectLst/>
+                          <a:latin typeface="Calibri" panose="020F0502020204030204" pitchFamily="34" charset="0"/>
+                        </a:rPr>
+                        <a:t> werden, bis die </a:t>
+                      </a:r>
+                      <a:r>
+                        <a:rPr lang="de-DE" sz="700" b="0" i="0" u="none" strike="noStrike" dirty="0">
                           <a:solidFill>
                             <a:srgbClr val="FF0000"/>
                           </a:solidFill>
@@ -12974,7 +13028,7 @@
                         <a:t>höchste</a:t>
                       </a:r>
                       <a:r>
-                        <a:rPr lang="de-DE" sz="700" b="0" i="0" u="none" strike="noStrike">
+                        <a:rPr lang="de-DE" sz="700" b="0" i="0" u="none" strike="noStrike" dirty="0">
                           <a:solidFill>
                             <a:srgbClr val="000000"/>
                           </a:solidFill>
@@ -12984,7 +13038,7 @@
                         <a:t> Differenz </a:t>
                       </a:r>
                       <a:r>
-                        <a:rPr lang="de-DE" sz="700" b="0" i="0" u="none" strike="sngStrike">
+                        <a:rPr lang="de-DE" sz="700" b="0" i="0" u="none" strike="sngStrike" dirty="0">
                           <a:solidFill>
                             <a:srgbClr val="FF0000"/>
                           </a:solidFill>
@@ -12994,7 +13048,7 @@
                         <a:t>für mindestens 5 Minuten</a:t>
                       </a:r>
                       <a:r>
-                        <a:rPr lang="de-DE" sz="700" b="0" i="0" u="none" strike="noStrike">
+                        <a:rPr lang="de-DE" sz="700" b="0" i="0" u="none" strike="noStrike" dirty="0">
                           <a:solidFill>
                             <a:srgbClr val="FF0000"/>
                           </a:solidFill>
@@ -13004,7 +13058,7 @@
                         <a:t> kleiner gleich 0.1V </a:t>
                       </a:r>
                       <a:r>
-                        <a:rPr lang="de-DE" sz="700" b="0" i="0" u="none" strike="noStrike">
+                        <a:rPr lang="de-DE" sz="700" b="0" i="0" u="none" strike="noStrike" dirty="0">
                           <a:solidFill>
                             <a:srgbClr val="000000"/>
                           </a:solidFill>
@@ -13915,7 +13969,7 @@
                     <a:p>
                       <a:pPr algn="l" fontAlgn="b"/>
                       <a:r>
-                        <a:rPr lang="de-DE" sz="700" b="0" i="0" u="none" strike="noStrike">
+                        <a:rPr lang="de-DE" sz="700" b="0" i="0" u="none" strike="noStrike" dirty="0">
                           <a:solidFill>
                             <a:srgbClr val="000000"/>
                           </a:solidFill>
@@ -14092,7 +14146,7 @@
             </a:pPr>
             <a:fld id="{053CC250-0F2B-454B-BB04-55CD16297F31}" type="datetime1">
               <a:rPr lang="de-DE" smtClean="0"/>
-              <a:t>21.05.2022</a:t>
+              <a:t>24.05.2022</a:t>
             </a:fld>
             <a:endParaRPr lang="de-DE"/>
           </a:p>
@@ -14282,7 +14336,7 @@
             </a:pPr>
             <a:fld id="{053CC250-0F2B-454B-BB04-55CD16297F31}" type="datetime1">
               <a:rPr lang="de-DE" smtClean="0"/>
-              <a:t>21.05.2022</a:t>
+              <a:t>24.05.2022</a:t>
             </a:fld>
             <a:endParaRPr lang="de-DE"/>
           </a:p>
@@ -14466,7 +14520,7 @@
             </a:pPr>
             <a:fld id="{053CC250-0F2B-454B-BB04-55CD16297F31}" type="datetime1">
               <a:rPr lang="de-DE" smtClean="0"/>
-              <a:t>21.05.2022</a:t>
+              <a:t>24.05.2022</a:t>
             </a:fld>
             <a:endParaRPr lang="de-DE"/>
           </a:p>
@@ -14505,10 +14559,10 @@
       </p:sp>
       <p:pic>
         <p:nvPicPr>
-          <p:cNvPr id="9" name="Grafik 8">
+          <p:cNvPr id="7" name="Grafik 6">
             <a:extLst>
               <a:ext uri="{FF2B5EF4-FFF2-40B4-BE49-F238E27FC236}">
-                <a16:creationId xmlns:a16="http://schemas.microsoft.com/office/drawing/2014/main" id="{C90910EE-D076-E1E6-1270-EAF53EA997DE}"/>
+                <a16:creationId xmlns:a16="http://schemas.microsoft.com/office/drawing/2014/main" id="{A8A4BB2D-FEDA-AF39-FDA9-986793713838}"/>
               </a:ext>
             </a:extLst>
           </p:cNvPr>
@@ -14531,8 +14585,8 @@
         </p:blipFill>
         <p:spPr>
           <a:xfrm>
-            <a:off x="1457720" y="1988714"/>
-            <a:ext cx="6393263" cy="3796560"/>
+            <a:off x="598700" y="1915601"/>
+            <a:ext cx="7946599" cy="4239162"/>
           </a:xfrm>
           <a:prstGeom prst="rect">
             <a:avLst/>
@@ -14665,7 +14719,7 @@
             </a:pPr>
             <a:fld id="{053CC250-0F2B-454B-BB04-55CD16297F31}" type="datetime1">
               <a:rPr lang="de-DE" smtClean="0"/>
-              <a:t>21.05.2022</a:t>
+              <a:t>24.05.2022</a:t>
             </a:fld>
             <a:endParaRPr lang="de-DE"/>
           </a:p>
@@ -14704,10 +14758,10 @@
       </p:sp>
       <p:pic>
         <p:nvPicPr>
-          <p:cNvPr id="7" name="Grafik 6">
+          <p:cNvPr id="8" name="Grafik 7">
             <a:extLst>
               <a:ext uri="{FF2B5EF4-FFF2-40B4-BE49-F238E27FC236}">
-                <a16:creationId xmlns:a16="http://schemas.microsoft.com/office/drawing/2014/main" id="{8F5F03AC-BC4A-A3C8-083E-B10ACD598AD8}"/>
+                <a16:creationId xmlns:a16="http://schemas.microsoft.com/office/drawing/2014/main" id="{76388511-5446-398F-4EA9-106AD533E227}"/>
               </a:ext>
             </a:extLst>
           </p:cNvPr>
@@ -14730,8 +14784,8 @@
         </p:blipFill>
         <p:spPr>
           <a:xfrm>
-            <a:off x="139349" y="2462983"/>
-            <a:ext cx="9030005" cy="2857596"/>
+            <a:off x="0" y="2368699"/>
+            <a:ext cx="9144000" cy="3046164"/>
           </a:xfrm>
           <a:prstGeom prst="rect">
             <a:avLst/>
@@ -14855,7 +14909,7 @@
             </a:pPr>
             <a:fld id="{053CC250-0F2B-454B-BB04-55CD16297F31}" type="datetime1">
               <a:rPr lang="de-DE" smtClean="0"/>
-              <a:t>21.05.2022</a:t>
+              <a:t>24.05.2022</a:t>
             </a:fld>
             <a:endParaRPr lang="de-DE"/>
           </a:p>

--- a/BMS_Lab_Funktionsdesign und Implementierung.pptx
+++ b/BMS_Lab_Funktionsdesign und Implementierung.pptx
@@ -1,6 +1,6 @@
 
 <file path=ppt/presentation.xml><?xml version="1.0" encoding="utf-8"?>
-<p:presentation xmlns:a="http://schemas.openxmlformats.org/drawingml/2006/main" xmlns:r="http://schemas.openxmlformats.org/officeDocument/2006/relationships" xmlns:p="http://schemas.openxmlformats.org/presentationml/2006/main" saveSubsetFonts="1">
+<p:presentation xmlns:a="http://schemas.openxmlformats.org/drawingml/2006/main" xmlns:r="http://schemas.openxmlformats.org/officeDocument/2006/relationships" xmlns:p="http://schemas.openxmlformats.org/presentationml/2006/main" showSpecialPlsOnTitleSld="0" saveSubsetFonts="1">
   <p:sldMasterIdLst>
     <p:sldMasterId id="2147483708" r:id="rId4"/>
     <p:sldMasterId id="2147483731" r:id="rId5"/>
@@ -169,7 +169,7 @@
 <file path=ppt/revisionInfo.xml><?xml version="1.0" encoding="utf-8"?>
 <p1510:revInfo xmlns:a="http://schemas.openxmlformats.org/drawingml/2006/main" xmlns:r="http://schemas.openxmlformats.org/officeDocument/2006/relationships" xmlns:p1510="http://schemas.microsoft.com/office/powerpoint/2015/10/main">
   <p1510:revLst>
-    <p1510:client id="{F4958633-A18C-4EDE-8A28-66C343083A52}" v="1199" dt="2022-05-24T15:48:17.085"/>
+    <p1510:client id="{F4958633-A18C-4EDE-8A28-66C343083A52}" v="1202" dt="2022-05-25T05:33:52.120"/>
   </p1510:revLst>
 </p1510:revInfo>
 </file>
@@ -242,12 +242,12 @@
   <pc:docChgLst>
     <pc:chgData name="Leif Kahler" userId="5bc1ec70ba374ba0" providerId="LiveId" clId="{F4958633-A18C-4EDE-8A28-66C343083A52}"/>
     <pc:docChg chg="undo redo custSel addSld delSld modSld">
-      <pc:chgData name="Leif Kahler" userId="5bc1ec70ba374ba0" providerId="LiveId" clId="{F4958633-A18C-4EDE-8A28-66C343083A52}" dt="2022-05-24T15:48:22.507" v="2617" actId="1076"/>
+      <pc:chgData name="Leif Kahler" userId="5bc1ec70ba374ba0" providerId="LiveId" clId="{F4958633-A18C-4EDE-8A28-66C343083A52}" dt="2022-05-25T05:34:01.656" v="2668" actId="1076"/>
       <pc:docMkLst>
         <pc:docMk/>
       </pc:docMkLst>
       <pc:sldChg chg="delSp modSp mod">
-        <pc:chgData name="Leif Kahler" userId="5bc1ec70ba374ba0" providerId="LiveId" clId="{F4958633-A18C-4EDE-8A28-66C343083A52}" dt="2022-05-21T13:00:57.999" v="2495" actId="2711"/>
+        <pc:chgData name="Leif Kahler" userId="5bc1ec70ba374ba0" providerId="LiveId" clId="{F4958633-A18C-4EDE-8A28-66C343083A52}" dt="2022-05-25T04:56:07.375" v="2619" actId="1076"/>
         <pc:sldMkLst>
           <pc:docMk/>
           <pc:sldMk cId="0" sldId="257"/>
@@ -261,7 +261,7 @@
           </ac:spMkLst>
         </pc:spChg>
         <pc:spChg chg="mod">
-          <ac:chgData name="Leif Kahler" userId="5bc1ec70ba374ba0" providerId="LiveId" clId="{F4958633-A18C-4EDE-8A28-66C343083A52}" dt="2022-05-21T13:00:57.999" v="2495" actId="2711"/>
+          <ac:chgData name="Leif Kahler" userId="5bc1ec70ba374ba0" providerId="LiveId" clId="{F4958633-A18C-4EDE-8A28-66C343083A52}" dt="2022-05-25T04:56:07.375" v="2619" actId="1076"/>
           <ac:spMkLst>
             <pc:docMk/>
             <pc:sldMk cId="0" sldId="257"/>
@@ -456,7 +456,7 @@
         </pc:spChg>
       </pc:sldChg>
       <pc:sldChg chg="modSp new mod">
-        <pc:chgData name="Leif Kahler" userId="5bc1ec70ba374ba0" providerId="LiveId" clId="{F4958633-A18C-4EDE-8A28-66C343083A52}" dt="2022-05-21T13:01:44.320" v="2548" actId="20577"/>
+        <pc:chgData name="Leif Kahler" userId="5bc1ec70ba374ba0" providerId="LiveId" clId="{F4958633-A18C-4EDE-8A28-66C343083A52}" dt="2022-05-25T04:58:45.561" v="2665" actId="20577"/>
         <pc:sldMkLst>
           <pc:docMk/>
           <pc:sldMk cId="1496020327" sldId="333"/>
@@ -470,7 +470,7 @@
           </ac:spMkLst>
         </pc:spChg>
         <pc:spChg chg="mod">
-          <ac:chgData name="Leif Kahler" userId="5bc1ec70ba374ba0" providerId="LiveId" clId="{F4958633-A18C-4EDE-8A28-66C343083A52}" dt="2022-05-21T13:01:44.320" v="2548" actId="20577"/>
+          <ac:chgData name="Leif Kahler" userId="5bc1ec70ba374ba0" providerId="LiveId" clId="{F4958633-A18C-4EDE-8A28-66C343083A52}" dt="2022-05-25T04:58:45.561" v="2665" actId="20577"/>
           <ac:spMkLst>
             <pc:docMk/>
             <pc:sldMk cId="1496020327" sldId="333"/>
@@ -704,8 +704,8 @@
           </ac:picMkLst>
         </pc:picChg>
       </pc:sldChg>
-      <pc:sldChg chg="addSp modSp new mod">
-        <pc:chgData name="Leif Kahler" userId="5bc1ec70ba374ba0" providerId="LiveId" clId="{F4958633-A18C-4EDE-8A28-66C343083A52}" dt="2022-05-21T12:13:39.340" v="2011"/>
+      <pc:sldChg chg="addSp delSp modSp new mod">
+        <pc:chgData name="Leif Kahler" userId="5bc1ec70ba374ba0" providerId="LiveId" clId="{F4958633-A18C-4EDE-8A28-66C343083A52}" dt="2022-05-25T05:34:01.656" v="2668" actId="1076"/>
         <pc:sldMkLst>
           <pc:docMk/>
           <pc:sldMk cId="1437920486" sldId="339"/>
@@ -726,12 +726,20 @@
             <ac:spMk id="3" creationId="{02063696-79C1-5F80-15F5-45180D6A2911}"/>
           </ac:spMkLst>
         </pc:spChg>
-        <pc:picChg chg="add mod">
-          <ac:chgData name="Leif Kahler" userId="5bc1ec70ba374ba0" providerId="LiveId" clId="{F4958633-A18C-4EDE-8A28-66C343083A52}" dt="2022-05-21T12:13:39.340" v="2011"/>
+        <pc:picChg chg="add del mod">
+          <ac:chgData name="Leif Kahler" userId="5bc1ec70ba374ba0" providerId="LiveId" clId="{F4958633-A18C-4EDE-8A28-66C343083A52}" dt="2022-05-25T05:32:08.554" v="2666" actId="478"/>
           <ac:picMkLst>
             <pc:docMk/>
             <pc:sldMk cId="1437920486" sldId="339"/>
             <ac:picMk id="7" creationId="{2F12AA31-7B74-A16E-4162-AE27DBC22197}"/>
+          </ac:picMkLst>
+        </pc:picChg>
+        <pc:picChg chg="add mod">
+          <ac:chgData name="Leif Kahler" userId="5bc1ec70ba374ba0" providerId="LiveId" clId="{F4958633-A18C-4EDE-8A28-66C343083A52}" dt="2022-05-25T05:34:01.656" v="2668" actId="1076"/>
+          <ac:picMkLst>
+            <pc:docMk/>
+            <pc:sldMk cId="1437920486" sldId="339"/>
+            <ac:picMk id="9" creationId="{BB1B0B50-8186-1622-B44B-3EAA5DBDC756}"/>
           </ac:picMkLst>
         </pc:picChg>
       </pc:sldChg>
@@ -943,7 +951,7 @@
               <a:pPr>
                 <a:defRPr/>
               </a:pPr>
-              <a:t>24.05.2022</a:t>
+              <a:t>25.05.2022</a:t>
             </a:fld>
             <a:endParaRPr lang="de-DE"/>
           </a:p>
@@ -1609,9 +1617,9 @@
             <a:pPr>
               <a:defRPr/>
             </a:pPr>
-            <a:fld id="{05C21990-A76C-479D-BD93-793C07353670}" type="datetime1">
+            <a:fld id="{6DA10D7F-EE0C-4848-8A75-A7A45C22C8C1}" type="datetime1">
               <a:rPr lang="de-DE" smtClean="0"/>
-              <a:t>24.05.2022</a:t>
+              <a:t>25.05.2022</a:t>
             </a:fld>
             <a:endParaRPr lang="de-DE"/>
           </a:p>
@@ -1833,9 +1841,9 @@
             <a:pPr>
               <a:defRPr/>
             </a:pPr>
-            <a:fld id="{4863C32C-5047-4913-91B6-1CB0FE7AA80D}" type="datetime1">
+            <a:fld id="{3B910511-CFBE-48C9-B594-AD5A3B264BCC}" type="datetime1">
               <a:rPr lang="de-DE" smtClean="0"/>
-              <a:t>24.05.2022</a:t>
+              <a:t>25.05.2022</a:t>
             </a:fld>
             <a:endParaRPr lang="de-DE"/>
           </a:p>
@@ -2099,9 +2107,9 @@
             <a:pPr>
               <a:defRPr/>
             </a:pPr>
-            <a:fld id="{F67F4B12-E06B-4AAF-A146-16C4C7C249C9}" type="datetime1">
+            <a:fld id="{B67F8838-4B7C-4BBB-A034-446435A00996}" type="datetime1">
               <a:rPr lang="de-DE" smtClean="0"/>
-              <a:t>24.05.2022</a:t>
+              <a:t>25.05.2022</a:t>
             </a:fld>
             <a:endParaRPr lang="de-DE"/>
           </a:p>
@@ -2378,9 +2386,9 @@
             <a:pPr>
               <a:defRPr/>
             </a:pPr>
-            <a:fld id="{D48E9C6D-659A-49E4-937F-1202F7545968}" type="datetime1">
+            <a:fld id="{D2F33841-B4C2-4DFA-AC65-0BFA049A3B32}" type="datetime1">
               <a:rPr lang="de-DE" smtClean="0"/>
-              <a:t>24.05.2022</a:t>
+              <a:t>25.05.2022</a:t>
             </a:fld>
             <a:endParaRPr lang="de-DE"/>
           </a:p>
@@ -2568,9 +2576,9 @@
             <a:pPr>
               <a:defRPr/>
             </a:pPr>
-            <a:fld id="{E139B75B-1FE4-4F27-AAE7-E55405DA13B5}" type="datetime1">
+            <a:fld id="{BEA4A735-CADB-4BE6-9A57-CA4E979A95E8}" type="datetime1">
               <a:rPr lang="de-DE" smtClean="0"/>
-              <a:t>24.05.2022</a:t>
+              <a:t>25.05.2022</a:t>
             </a:fld>
             <a:endParaRPr lang="de-DE"/>
           </a:p>
@@ -2835,9 +2843,9 @@
             <a:pPr>
               <a:defRPr/>
             </a:pPr>
-            <a:fld id="{03E1F47B-6B9C-4A9A-A23D-7F85A36E794E}" type="datetime1">
+            <a:fld id="{0973154E-98BF-4511-8464-BD38BED54588}" type="datetime1">
               <a:rPr lang="de-DE" smtClean="0"/>
-              <a:t>24.05.2022</a:t>
+              <a:t>25.05.2022</a:t>
             </a:fld>
             <a:endParaRPr lang="de-DE"/>
           </a:p>
@@ -3142,9 +3150,9 @@
             <a:pPr>
               <a:defRPr/>
             </a:pPr>
-            <a:fld id="{2E235EA4-38D3-4AD6-8B3F-E4F52D215B0D}" type="datetime1">
+            <a:fld id="{68EEF44E-9B86-4A95-8EF9-FF5B72E54B7A}" type="datetime1">
               <a:rPr lang="de-DE" smtClean="0"/>
-              <a:t>24.05.2022</a:t>
+              <a:t>25.05.2022</a:t>
             </a:fld>
             <a:endParaRPr lang="de-DE"/>
           </a:p>
@@ -3583,9 +3591,9 @@
             <a:pPr>
               <a:defRPr/>
             </a:pPr>
-            <a:fld id="{FFA3E44D-AF87-45DF-B8A4-6CB29D255EDC}" type="datetime1">
+            <a:fld id="{017D3BC0-57C0-40EA-8F33-1034F40B8A35}" type="datetime1">
               <a:rPr lang="de-DE" smtClean="0"/>
-              <a:t>24.05.2022</a:t>
+              <a:t>25.05.2022</a:t>
             </a:fld>
             <a:endParaRPr lang="de-DE"/>
           </a:p>
@@ -3722,9 +3730,9 @@
             <a:pPr>
               <a:defRPr/>
             </a:pPr>
-            <a:fld id="{80270855-99F0-4265-BEEC-AE023DEA8C26}" type="datetime1">
+            <a:fld id="{8BC79424-7EDD-4BBC-AABD-07BE080B48D9}" type="datetime1">
               <a:rPr lang="de-DE" smtClean="0"/>
-              <a:t>24.05.2022</a:t>
+              <a:t>25.05.2022</a:t>
             </a:fld>
             <a:endParaRPr lang="de-DE"/>
           </a:p>
@@ -3839,9 +3847,9 @@
             <a:pPr>
               <a:defRPr/>
             </a:pPr>
-            <a:fld id="{284DACFC-D45A-40E1-AE35-2876D93DEE43}" type="datetime1">
+            <a:fld id="{49BDEA8A-0F14-4E62-8DD2-D1465B4463AC}" type="datetime1">
               <a:rPr lang="de-DE" smtClean="0"/>
-              <a:t>24.05.2022</a:t>
+              <a:t>25.05.2022</a:t>
             </a:fld>
             <a:endParaRPr lang="de-DE"/>
           </a:p>
@@ -4136,9 +4144,9 @@
             <a:pPr>
               <a:defRPr/>
             </a:pPr>
-            <a:fld id="{F010C9BE-E72C-4CF0-A3DF-149A2F73590B}" type="datetime1">
+            <a:fld id="{35B7E217-35EF-4A36-A72A-53EEFBBBFC81}" type="datetime1">
               <a:rPr lang="de-DE" smtClean="0"/>
-              <a:t>24.05.2022</a:t>
+              <a:t>25.05.2022</a:t>
             </a:fld>
             <a:endParaRPr lang="de-DE"/>
           </a:p>
@@ -4348,9 +4356,9 @@
             <a:pPr>
               <a:defRPr/>
             </a:pPr>
-            <a:fld id="{053CC250-0F2B-454B-BB04-55CD16297F31}" type="datetime1">
+            <a:fld id="{E02A9696-0130-4772-AE6A-F85964DCA772}" type="datetime1">
               <a:rPr lang="de-DE" smtClean="0"/>
-              <a:t>24.05.2022</a:t>
+              <a:t>25.05.2022</a:t>
             </a:fld>
             <a:endParaRPr lang="de-DE"/>
           </a:p>
@@ -4642,9 +4650,9 @@
             <a:pPr>
               <a:defRPr/>
             </a:pPr>
-            <a:fld id="{17AB4481-4EAA-479E-8468-26A33CC366AB}" type="datetime1">
+            <a:fld id="{F172C9B9-F05E-4E44-A514-DFC8F1927795}" type="datetime1">
               <a:rPr lang="de-DE" smtClean="0"/>
-              <a:t>24.05.2022</a:t>
+              <a:t>25.05.2022</a:t>
             </a:fld>
             <a:endParaRPr lang="de-DE"/>
           </a:p>
@@ -4832,9 +4840,9 @@
             <a:pPr>
               <a:defRPr/>
             </a:pPr>
-            <a:fld id="{B9897412-5F82-4370-A44B-124450DCAF59}" type="datetime1">
+            <a:fld id="{CD42ECD7-9B1D-444D-A6CB-17E429537AA7}" type="datetime1">
               <a:rPr lang="de-DE" smtClean="0"/>
-              <a:t>24.05.2022</a:t>
+              <a:t>25.05.2022</a:t>
             </a:fld>
             <a:endParaRPr lang="de-DE"/>
           </a:p>
@@ -5032,9 +5040,9 @@
             <a:pPr>
               <a:defRPr/>
             </a:pPr>
-            <a:fld id="{0BFD5C96-DDF7-406E-8A4C-011BDD077942}" type="datetime1">
+            <a:fld id="{072A2141-236B-474A-870E-F636EFF82B52}" type="datetime1">
               <a:rPr lang="de-DE" smtClean="0"/>
-              <a:t>24.05.2022</a:t>
+              <a:t>25.05.2022</a:t>
             </a:fld>
             <a:endParaRPr lang="de-DE"/>
           </a:p>
@@ -5171,9 +5179,9 @@
             <a:pPr>
               <a:defRPr/>
             </a:pPr>
-            <a:fld id="{1DF0A8B9-CEE5-4C8E-A546-100E1EB07701}" type="datetime1">
+            <a:fld id="{918D6A42-2069-44E8-870B-13D57192CFD7}" type="datetime1">
               <a:rPr lang="de-DE" smtClean="0"/>
-              <a:t>24.05.2022</a:t>
+              <a:t>25.05.2022</a:t>
             </a:fld>
             <a:endParaRPr lang="de-DE"/>
           </a:p>
@@ -5455,9 +5463,9 @@
             <a:pPr>
               <a:defRPr/>
             </a:pPr>
-            <a:fld id="{8937FB08-320E-4AD1-A49C-D7BC9A1E77F8}" type="datetime1">
+            <a:fld id="{C3B901CC-E0BA-409A-AC35-D13428611E50}" type="datetime1">
               <a:rPr lang="de-DE" smtClean="0"/>
-              <a:t>24.05.2022</a:t>
+              <a:t>25.05.2022</a:t>
             </a:fld>
             <a:endParaRPr lang="de-DE"/>
           </a:p>
@@ -5796,9 +5804,9 @@
             <a:pPr>
               <a:defRPr/>
             </a:pPr>
-            <a:fld id="{58113BE7-EBFD-43EA-917F-80EBFA021C1F}" type="datetime1">
+            <a:fld id="{55E549ED-0D13-4CC8-9A4A-0E95FF0EF2B0}" type="datetime1">
               <a:rPr lang="de-DE" smtClean="0"/>
-              <a:t>24.05.2022</a:t>
+              <a:t>25.05.2022</a:t>
             </a:fld>
             <a:endParaRPr lang="de-DE"/>
           </a:p>
@@ -6271,9 +6279,9 @@
             <a:pPr>
               <a:defRPr/>
             </a:pPr>
-            <a:fld id="{1A40806B-C8D4-449A-B0E0-896184CABCEC}" type="datetime1">
+            <a:fld id="{B9A27676-D44A-4913-9A5E-CB1CE1C00223}" type="datetime1">
               <a:rPr lang="de-DE" smtClean="0"/>
-              <a:t>24.05.2022</a:t>
+              <a:t>25.05.2022</a:t>
             </a:fld>
             <a:endParaRPr lang="de-DE"/>
           </a:p>
@@ -6444,9 +6452,9 @@
             <a:pPr>
               <a:defRPr/>
             </a:pPr>
-            <a:fld id="{9C6ADB54-D6F0-43C1-B95C-601E2FA33711}" type="datetime1">
+            <a:fld id="{2B655468-D206-40C5-92C7-C74EC3FFAE44}" type="datetime1">
               <a:rPr lang="de-DE" smtClean="0"/>
-              <a:t>24.05.2022</a:t>
+              <a:t>25.05.2022</a:t>
             </a:fld>
             <a:endParaRPr lang="de-DE"/>
           </a:p>
@@ -6595,9 +6603,9 @@
             <a:pPr>
               <a:defRPr/>
             </a:pPr>
-            <a:fld id="{D8C23801-30AC-4221-B0BA-B3403E06BB45}" type="datetime1">
+            <a:fld id="{1E96B3E1-7D2E-4341-811B-D6BC6A336DB4}" type="datetime1">
               <a:rPr lang="de-DE" smtClean="0"/>
-              <a:t>24.05.2022</a:t>
+              <a:t>25.05.2022</a:t>
             </a:fld>
             <a:endParaRPr lang="de-DE"/>
           </a:p>
@@ -6926,9 +6934,9 @@
             <a:pPr>
               <a:defRPr/>
             </a:pPr>
-            <a:fld id="{E6621349-D84A-49C6-814D-E8B6BCC50D34}" type="datetime1">
+            <a:fld id="{FC2C56AA-EC2D-41D2-B408-F1F7573161FB}" type="datetime1">
               <a:rPr lang="de-DE" smtClean="0"/>
-              <a:t>24.05.2022</a:t>
+              <a:t>25.05.2022</a:t>
             </a:fld>
             <a:endParaRPr lang="de-DE"/>
           </a:p>
@@ -7237,9 +7245,9 @@
             <a:pPr>
               <a:defRPr/>
             </a:pPr>
-            <a:fld id="{B55CEF64-E874-4154-8DDD-58BEDCC55658}" type="datetime1">
+            <a:fld id="{8E045CC8-804C-4E11-82D5-C168C183F625}" type="datetime1">
               <a:rPr lang="de-DE" smtClean="0"/>
-              <a:t>24.05.2022</a:t>
+              <a:t>25.05.2022</a:t>
             </a:fld>
             <a:endParaRPr lang="de-DE"/>
           </a:p>
@@ -7638,7 +7646,7 @@
     <p:sldLayoutId id="2147483764" r:id="rId10"/>
     <p:sldLayoutId id="2147483765" r:id="rId11"/>
   </p:sldLayoutIdLst>
-  <p:hf sldNum="0" hdr="0"/>
+  <p:hf hdr="0"/>
   <p:txStyles>
     <p:titleStyle>
       <a:lvl1pPr algn="ctr" rtl="0" eaLnBrk="0" fontAlgn="base" hangingPunct="0">
@@ -8245,9 +8253,9 @@
             <a:pPr>
               <a:defRPr/>
             </a:pPr>
-            <a:fld id="{F4B93059-B7C0-490E-96D6-54C458308042}" type="datetime1">
+            <a:fld id="{EBEE28AC-BACE-40CF-AF11-61815E3C1015}" type="datetime1">
               <a:rPr lang="de-DE" smtClean="0"/>
-              <a:t>24.05.2022</a:t>
+              <a:t>25.05.2022</a:t>
             </a:fld>
             <a:endParaRPr lang="de-DE"/>
           </a:p>
@@ -8407,7 +8415,7 @@
     <p:sldLayoutId id="2147483744" r:id="rId11"/>
     <p:sldLayoutId id="2147483743" r:id="rId12"/>
   </p:sldLayoutIdLst>
-  <p:hf sldNum="0" hdr="0"/>
+  <p:hf hdr="0"/>
   <p:txStyles>
     <p:titleStyle>
       <a:lvl1pPr algn="ctr" rtl="0" eaLnBrk="0" fontAlgn="base" hangingPunct="0">
@@ -9060,80 +9068,6 @@
           </a:p>
         </p:txBody>
       </p:sp>
-      <p:sp>
-        <p:nvSpPr>
-          <p:cNvPr id="3" name="Datumsplatzhalter 2">
-            <a:extLst>
-              <a:ext uri="{FF2B5EF4-FFF2-40B4-BE49-F238E27FC236}">
-                <a16:creationId xmlns:a16="http://schemas.microsoft.com/office/drawing/2014/main" id="{8E947265-7CA0-BD95-E5DF-EF54BB7E0B8E}"/>
-              </a:ext>
-            </a:extLst>
-          </p:cNvPr>
-          <p:cNvSpPr>
-            <a:spLocks noGrp="1"/>
-          </p:cNvSpPr>
-          <p:nvPr>
-            <p:ph type="dt" sz="half" idx="10"/>
-          </p:nvPr>
-        </p:nvSpPr>
-        <p:spPr/>
-        <p:txBody>
-          <a:bodyPr/>
-          <a:lstStyle/>
-          <a:p>
-            <a:pPr>
-              <a:defRPr/>
-            </a:pPr>
-            <a:fld id="{AC8BC9DD-D804-4AEA-90E2-701D065EBC50}" type="datetime1">
-              <a:rPr lang="de-DE" smtClean="0">
-                <a:ea typeface="Microsoft JhengHei UI" panose="020B0604030504040204" pitchFamily="34" charset="-120"/>
-              </a:rPr>
-              <a:t>24.05.2022</a:t>
-            </a:fld>
-            <a:endParaRPr lang="de-DE">
-              <a:ea typeface="Microsoft JhengHei UI" panose="020B0604030504040204" pitchFamily="34" charset="-120"/>
-            </a:endParaRPr>
-          </a:p>
-        </p:txBody>
-      </p:sp>
-      <p:sp>
-        <p:nvSpPr>
-          <p:cNvPr id="4" name="Fußzeilenplatzhalter 3">
-            <a:extLst>
-              <a:ext uri="{FF2B5EF4-FFF2-40B4-BE49-F238E27FC236}">
-                <a16:creationId xmlns:a16="http://schemas.microsoft.com/office/drawing/2014/main" id="{B89A22BB-835D-4995-FCA3-14142728A677}"/>
-              </a:ext>
-            </a:extLst>
-          </p:cNvPr>
-          <p:cNvSpPr>
-            <a:spLocks noGrp="1"/>
-          </p:cNvSpPr>
-          <p:nvPr>
-            <p:ph type="ftr" sz="quarter" idx="11"/>
-          </p:nvPr>
-        </p:nvSpPr>
-        <p:spPr>
-          <a:xfrm>
-            <a:off x="3124199" y="6356350"/>
-            <a:ext cx="3114675" cy="365125"/>
-          </a:xfrm>
-        </p:spPr>
-        <p:txBody>
-          <a:bodyPr/>
-          <a:lstStyle/>
-          <a:p>
-            <a:pPr>
-              <a:defRPr/>
-            </a:pPr>
-            <a:r>
-              <a:rPr lang="de-DE">
-                <a:ea typeface="Microsoft JhengHei UI" panose="020B0604030504040204" pitchFamily="34" charset="-120"/>
-              </a:rPr>
-              <a:t>BMS Lab - Funktionsdesign</a:t>
-            </a:r>
-          </a:p>
-        </p:txBody>
-      </p:sp>
     </p:spTree>
   </p:cSld>
   <p:clrMapOvr>
@@ -9304,9 +9238,9 @@
             <a:pPr>
               <a:defRPr/>
             </a:pPr>
-            <a:fld id="{053CC250-0F2B-454B-BB04-55CD16297F31}" type="datetime1">
+            <a:fld id="{426542B6-D101-4AB6-A42E-730E5A6322A1}" type="datetime1">
               <a:rPr lang="de-DE" smtClean="0"/>
-              <a:t>24.05.2022</a:t>
+              <a:t>25.05.2022</a:t>
             </a:fld>
             <a:endParaRPr lang="de-DE"/>
           </a:p>
@@ -9340,6 +9274,41 @@
               <a:rPr lang="de-DE"/>
               <a:t>BMS Lab - Funktionsdesign</a:t>
             </a:r>
+          </a:p>
+        </p:txBody>
+      </p:sp>
+      <p:sp>
+        <p:nvSpPr>
+          <p:cNvPr id="6" name="Foliennummernplatzhalter 5">
+            <a:extLst>
+              <a:ext uri="{FF2B5EF4-FFF2-40B4-BE49-F238E27FC236}">
+                <a16:creationId xmlns:a16="http://schemas.microsoft.com/office/drawing/2014/main" id="{A90CB860-740A-154C-1CA7-1FDBF2E15F87}"/>
+              </a:ext>
+            </a:extLst>
+          </p:cNvPr>
+          <p:cNvSpPr>
+            <a:spLocks noGrp="1"/>
+          </p:cNvSpPr>
+          <p:nvPr>
+            <p:ph type="sldNum" sz="quarter" idx="12"/>
+          </p:nvPr>
+        </p:nvSpPr>
+        <p:spPr/>
+        <p:txBody>
+          <a:bodyPr/>
+          <a:lstStyle/>
+          <a:p>
+            <a:pPr>
+              <a:defRPr/>
+            </a:pPr>
+            <a:fld id="{7F628ECD-1486-4417-BA78-D30482481923}" type="slidenum">
+              <a:rPr lang="de-DE" smtClean="0"/>
+              <a:pPr>
+                <a:defRPr/>
+              </a:pPr>
+              <a:t>10</a:t>
+            </a:fld>
+            <a:endParaRPr lang="de-DE"/>
           </a:p>
         </p:txBody>
       </p:sp>
@@ -9537,9 +9506,9 @@
             <a:pPr>
               <a:defRPr/>
             </a:pPr>
-            <a:fld id="{053CC250-0F2B-454B-BB04-55CD16297F31}" type="datetime1">
+            <a:fld id="{E91A3C86-CB7B-4B3E-9A65-5CEE45D87E28}" type="datetime1">
               <a:rPr lang="de-DE" smtClean="0"/>
-              <a:t>24.05.2022</a:t>
+              <a:t>25.05.2022</a:t>
             </a:fld>
             <a:endParaRPr lang="de-DE"/>
           </a:p>
@@ -9573,6 +9542,41 @@
               <a:rPr lang="de-DE"/>
               <a:t>BMS Lab - Funktionsdesign</a:t>
             </a:r>
+          </a:p>
+        </p:txBody>
+      </p:sp>
+      <p:sp>
+        <p:nvSpPr>
+          <p:cNvPr id="6" name="Foliennummernplatzhalter 5">
+            <a:extLst>
+              <a:ext uri="{FF2B5EF4-FFF2-40B4-BE49-F238E27FC236}">
+                <a16:creationId xmlns:a16="http://schemas.microsoft.com/office/drawing/2014/main" id="{FA4B0480-0BCD-7038-C1FF-B6C155005D3D}"/>
+              </a:ext>
+            </a:extLst>
+          </p:cNvPr>
+          <p:cNvSpPr>
+            <a:spLocks noGrp="1"/>
+          </p:cNvSpPr>
+          <p:nvPr>
+            <p:ph type="sldNum" sz="quarter" idx="12"/>
+          </p:nvPr>
+        </p:nvSpPr>
+        <p:spPr/>
+        <p:txBody>
+          <a:bodyPr/>
+          <a:lstStyle/>
+          <a:p>
+            <a:pPr>
+              <a:defRPr/>
+            </a:pPr>
+            <a:fld id="{7F628ECD-1486-4417-BA78-D30482481923}" type="slidenum">
+              <a:rPr lang="de-DE" smtClean="0"/>
+              <a:pPr>
+                <a:defRPr/>
+              </a:pPr>
+              <a:t>2</a:t>
+            </a:fld>
+            <a:endParaRPr lang="de-DE"/>
           </a:p>
         </p:txBody>
       </p:sp>
@@ -9661,84 +9665,96 @@
           <a:lstStyle/>
           <a:p>
             <a:r>
-              <a:rPr lang="de-DE" sz="2000"/>
+              <a:rPr lang="de-DE" sz="2000" dirty="0"/>
               <a:t>BMS-105: Maximale Zelltemperatur: 50°C </a:t>
+            </a:r>
+            <a:r>
+              <a:rPr lang="de-DE" sz="2000" dirty="0">
+                <a:sym typeface="Wingdings" panose="05000000000000000000" pitchFamily="2" charset="2"/>
+              </a:rPr>
+              <a:t></a:t>
+            </a:r>
+            <a:r>
+              <a:rPr lang="de-DE" sz="2000" dirty="0"/>
+              <a:t> 60°C</a:t>
+            </a:r>
+          </a:p>
+          <a:p>
+            <a:r>
+              <a:rPr lang="de-DE" sz="2000" dirty="0"/>
+              <a:t>BMS-106: Minimale Zelltemperatur: 15°C </a:t>
+            </a:r>
+            <a:r>
+              <a:rPr lang="de-DE" sz="2000" dirty="0">
+                <a:sym typeface="Wingdings" panose="05000000000000000000" pitchFamily="2" charset="2"/>
+              </a:rPr>
+              <a:t></a:t>
+            </a:r>
+            <a:r>
+              <a:rPr lang="de-DE" sz="2000" dirty="0"/>
+              <a:t> </a:t>
+            </a:r>
+            <a:r>
+              <a:rPr lang="de-DE" sz="2000" strike="sngStrike" dirty="0"/>
+              <a:t>15°C</a:t>
+            </a:r>
+          </a:p>
+          <a:p>
+            <a:r>
+              <a:rPr lang="de-DE" sz="2000" dirty="0"/>
+              <a:t>BMS-108: </a:t>
+            </a:r>
+            <a:r>
+              <a:rPr lang="de-DE" sz="2000" strike="sngStrike" dirty="0"/>
+              <a:t>Boost 10 Minuten nach Abschaltung wieder freigeben</a:t>
+            </a:r>
+          </a:p>
+          <a:p>
+            <a:r>
+              <a:rPr lang="de-DE" sz="2000" dirty="0"/>
+              <a:t>BMS-110: </a:t>
+            </a:r>
+            <a:r>
+              <a:rPr lang="de-DE" sz="2000" strike="sngStrike" dirty="0"/>
+              <a:t>Reaktion auf Grenzüberschreitung innerhalb von 50ms</a:t>
+            </a:r>
+          </a:p>
+          <a:p>
+            <a:r>
+              <a:rPr lang="de-DE" sz="2000" dirty="0"/>
+              <a:t>BMS-202: </a:t>
+            </a:r>
+            <a:r>
+              <a:rPr lang="de-DE" sz="2000" strike="sngStrike" dirty="0"/>
+              <a:t>Spannungsdifferenz für 1 Min &gt; 0,2V, dann Balancen bis Differenz für 5 Min &lt; 0,2V </a:t>
+            </a:r>
+            <a:r>
+              <a:rPr lang="de-DE" sz="2000" dirty="0">
+                <a:sym typeface="Wingdings" panose="05000000000000000000" pitchFamily="2" charset="2"/>
+              </a:rPr>
+              <a:t> höchste Spannungsdifferenz zwischen 2 Zellen &gt; 0,3V und höchste Zellspannung &gt; 4,1V, dann Balancen bis höchste Spannungsdifferenz zwischen 2 Zellen &lt;= 0,1V</a:t>
+            </a:r>
+          </a:p>
+          <a:p>
+            <a:r>
+              <a:rPr lang="de-DE" sz="2000" dirty="0">
+                <a:sym typeface="Wingdings" panose="05000000000000000000" pitchFamily="2" charset="2"/>
+              </a:rPr>
+              <a:t>BMS-203: Alle 1000ms überprüfen, ob </a:t>
             </a:r>
             <a:r>
               <a:rPr lang="de-DE" sz="2000">
                 <a:sym typeface="Wingdings" panose="05000000000000000000" pitchFamily="2" charset="2"/>
               </a:rPr>
-              <a:t></a:t>
-            </a:r>
-            <a:r>
-              <a:rPr lang="de-DE" sz="2000"/>
-              <a:t> 60°C</a:t>
-            </a:r>
-          </a:p>
-          <a:p>
-            <a:r>
-              <a:rPr lang="de-DE" sz="2000"/>
-              <a:t>BMS-106: Minimale Zelltemperatur: 15°C </a:t>
-            </a:r>
-            <a:r>
-              <a:rPr lang="de-DE" sz="2000">
+              <a:t>gebalanced</a:t>
+            </a:r>
+            <a:r>
+              <a:rPr lang="de-DE" sz="2000" dirty="0">
                 <a:sym typeface="Wingdings" panose="05000000000000000000" pitchFamily="2" charset="2"/>
               </a:rPr>
-              <a:t></a:t>
-            </a:r>
-            <a:r>
-              <a:rPr lang="de-DE" sz="2000"/>
-              <a:t> </a:t>
-            </a:r>
-            <a:r>
-              <a:rPr lang="de-DE" sz="2000" strike="sngStrike"/>
-              <a:t>15°C</a:t>
-            </a:r>
-          </a:p>
-          <a:p>
-            <a:r>
-              <a:rPr lang="de-DE" sz="2000"/>
-              <a:t>BMS-108: </a:t>
-            </a:r>
-            <a:r>
-              <a:rPr lang="de-DE" sz="2000" strike="sngStrike"/>
-              <a:t>Boost 10 Minuten nach Abschaltung wieder freigeben</a:t>
-            </a:r>
-          </a:p>
-          <a:p>
-            <a:r>
-              <a:rPr lang="de-DE" sz="2000"/>
-              <a:t>BMS-110: </a:t>
-            </a:r>
-            <a:r>
-              <a:rPr lang="de-DE" sz="2000" strike="sngStrike"/>
-              <a:t>Reaktion auf Grenzüberschreitung innerhalb von 50ms</a:t>
-            </a:r>
-          </a:p>
-          <a:p>
-            <a:r>
-              <a:rPr lang="de-DE" sz="2000"/>
-              <a:t>BMS-202: </a:t>
-            </a:r>
-            <a:r>
-              <a:rPr lang="de-DE" sz="2000" strike="sngStrike"/>
-              <a:t>Spannungsdifferenz für 1 Min &gt; 0,2V, dann Balancen bis Differenz für 5 Min &lt; 0,2V </a:t>
-            </a:r>
-            <a:r>
-              <a:rPr lang="de-DE" sz="2000">
-                <a:sym typeface="Wingdings" panose="05000000000000000000" pitchFamily="2" charset="2"/>
-              </a:rPr>
-              <a:t> höchste Spannungsdifferenz zwischen 2 Zellen &gt; 0,2V, dann Balancen bis höchste Spannungsdifferenz zwischen 2 Zellen &lt;= 0,1V</a:t>
-            </a:r>
-          </a:p>
-          <a:p>
-            <a:r>
-              <a:rPr lang="de-DE" sz="2000">
-                <a:sym typeface="Wingdings" panose="05000000000000000000" pitchFamily="2" charset="2"/>
-              </a:rPr>
-              <a:t>BMS-203: Alle 1000ms überprüfen, ob gebalanced werden muss</a:t>
-            </a:r>
-            <a:endParaRPr lang="de-DE" sz="2000"/>
+              <a:t> werden muss</a:t>
+            </a:r>
+            <a:endParaRPr lang="de-DE" sz="2000" dirty="0"/>
           </a:p>
         </p:txBody>
       </p:sp>
@@ -9766,9 +9782,9 @@
             <a:pPr>
               <a:defRPr/>
             </a:pPr>
-            <a:fld id="{053CC250-0F2B-454B-BB04-55CD16297F31}" type="datetime1">
+            <a:fld id="{D4D49CFD-8064-41B4-9D78-100E634E2FD2}" type="datetime1">
               <a:rPr lang="de-DE" smtClean="0"/>
-              <a:t>24.05.2022</a:t>
+              <a:t>25.05.2022</a:t>
             </a:fld>
             <a:endParaRPr lang="de-DE"/>
           </a:p>
@@ -9802,6 +9818,41 @@
               <a:rPr lang="de-DE"/>
               <a:t>BMS Lab - Funktionsdesign</a:t>
             </a:r>
+          </a:p>
+        </p:txBody>
+      </p:sp>
+      <p:sp>
+        <p:nvSpPr>
+          <p:cNvPr id="6" name="Foliennummernplatzhalter 5">
+            <a:extLst>
+              <a:ext uri="{FF2B5EF4-FFF2-40B4-BE49-F238E27FC236}">
+                <a16:creationId xmlns:a16="http://schemas.microsoft.com/office/drawing/2014/main" id="{A4D46EEA-B920-06F2-1F41-E35E06630A96}"/>
+              </a:ext>
+            </a:extLst>
+          </p:cNvPr>
+          <p:cNvSpPr>
+            <a:spLocks noGrp="1"/>
+          </p:cNvSpPr>
+          <p:nvPr>
+            <p:ph type="sldNum" sz="quarter" idx="12"/>
+          </p:nvPr>
+        </p:nvSpPr>
+        <p:spPr/>
+        <p:txBody>
+          <a:bodyPr/>
+          <a:lstStyle/>
+          <a:p>
+            <a:pPr>
+              <a:defRPr/>
+            </a:pPr>
+            <a:fld id="{7F628ECD-1486-4417-BA78-D30482481923}" type="slidenum">
+              <a:rPr lang="de-DE" smtClean="0"/>
+              <a:pPr>
+                <a:defRPr/>
+              </a:pPr>
+              <a:t>3</a:t>
+            </a:fld>
+            <a:endParaRPr lang="de-DE"/>
           </a:p>
         </p:txBody>
       </p:sp>
@@ -9892,9 +9943,9 @@
             <a:pPr>
               <a:defRPr/>
             </a:pPr>
-            <a:fld id="{053CC250-0F2B-454B-BB04-55CD16297F31}" type="datetime1">
+            <a:fld id="{DBE68911-BA84-4FA5-8F46-36773CCD8474}" type="datetime1">
               <a:rPr lang="de-DE" smtClean="0"/>
-              <a:t>24.05.2022</a:t>
+              <a:t>25.05.2022</a:t>
             </a:fld>
             <a:endParaRPr lang="de-DE"/>
           </a:p>
@@ -12998,7 +13049,7 @@
                         <a:t>, soll so lange </a:t>
                       </a:r>
                       <a:r>
-                        <a:rPr lang="de-DE" sz="700" b="0" i="0" u="none" strike="noStrike" dirty="0" err="1">
+                        <a:rPr lang="de-DE" sz="700" b="0" i="0" u="none" strike="noStrike">
                           <a:solidFill>
                             <a:srgbClr val="000000"/>
                           </a:solidFill>
@@ -14029,6 +14080,41 @@
           </a:graphicData>
         </a:graphic>
       </p:graphicFrame>
+      <p:sp>
+        <p:nvSpPr>
+          <p:cNvPr id="3" name="Foliennummernplatzhalter 2">
+            <a:extLst>
+              <a:ext uri="{FF2B5EF4-FFF2-40B4-BE49-F238E27FC236}">
+                <a16:creationId xmlns:a16="http://schemas.microsoft.com/office/drawing/2014/main" id="{9CB76FFA-D858-17B5-6D7C-3C6BE00E7728}"/>
+              </a:ext>
+            </a:extLst>
+          </p:cNvPr>
+          <p:cNvSpPr>
+            <a:spLocks noGrp="1"/>
+          </p:cNvSpPr>
+          <p:nvPr>
+            <p:ph type="sldNum" sz="quarter" idx="12"/>
+          </p:nvPr>
+        </p:nvSpPr>
+        <p:spPr/>
+        <p:txBody>
+          <a:bodyPr/>
+          <a:lstStyle/>
+          <a:p>
+            <a:pPr>
+              <a:defRPr/>
+            </a:pPr>
+            <a:fld id="{7F628ECD-1486-4417-BA78-D30482481923}" type="slidenum">
+              <a:rPr lang="de-DE" smtClean="0"/>
+              <a:pPr>
+                <a:defRPr/>
+              </a:pPr>
+              <a:t>4</a:t>
+            </a:fld>
+            <a:endParaRPr lang="de-DE"/>
+          </a:p>
+        </p:txBody>
+      </p:sp>
     </p:spTree>
     <p:extLst>
       <p:ext uri="{BB962C8B-B14F-4D97-AF65-F5344CB8AC3E}">
@@ -14144,9 +14230,9 @@
             <a:pPr>
               <a:defRPr/>
             </a:pPr>
-            <a:fld id="{053CC250-0F2B-454B-BB04-55CD16297F31}" type="datetime1">
+            <a:fld id="{AE9A141D-71B5-40C2-ABBA-1C78E21254DF}" type="datetime1">
               <a:rPr lang="de-DE" smtClean="0"/>
-              <a:t>24.05.2022</a:t>
+              <a:t>25.05.2022</a:t>
             </a:fld>
             <a:endParaRPr lang="de-DE"/>
           </a:p>
@@ -14219,6 +14305,41 @@
           </a:prstGeom>
         </p:spPr>
       </p:pic>
+      <p:sp>
+        <p:nvSpPr>
+          <p:cNvPr id="6" name="Foliennummernplatzhalter 5">
+            <a:extLst>
+              <a:ext uri="{FF2B5EF4-FFF2-40B4-BE49-F238E27FC236}">
+                <a16:creationId xmlns:a16="http://schemas.microsoft.com/office/drawing/2014/main" id="{C2C7C40F-A51F-19FD-5933-A0A950B719DF}"/>
+              </a:ext>
+            </a:extLst>
+          </p:cNvPr>
+          <p:cNvSpPr>
+            <a:spLocks noGrp="1"/>
+          </p:cNvSpPr>
+          <p:nvPr>
+            <p:ph type="sldNum" sz="quarter" idx="12"/>
+          </p:nvPr>
+        </p:nvSpPr>
+        <p:spPr/>
+        <p:txBody>
+          <a:bodyPr/>
+          <a:lstStyle/>
+          <a:p>
+            <a:pPr>
+              <a:defRPr/>
+            </a:pPr>
+            <a:fld id="{7F628ECD-1486-4417-BA78-D30482481923}" type="slidenum">
+              <a:rPr lang="de-DE" smtClean="0"/>
+              <a:pPr>
+                <a:defRPr/>
+              </a:pPr>
+              <a:t>5</a:t>
+            </a:fld>
+            <a:endParaRPr lang="de-DE"/>
+          </a:p>
+        </p:txBody>
+      </p:sp>
     </p:spTree>
     <p:extLst>
       <p:ext uri="{BB962C8B-B14F-4D97-AF65-F5344CB8AC3E}">
@@ -14334,9 +14455,9 @@
             <a:pPr>
               <a:defRPr/>
             </a:pPr>
-            <a:fld id="{053CC250-0F2B-454B-BB04-55CD16297F31}" type="datetime1">
+            <a:fld id="{987847FD-B1B4-43FE-9511-1892FF739895}" type="datetime1">
               <a:rPr lang="de-DE" smtClean="0"/>
-              <a:t>24.05.2022</a:t>
+              <a:t>25.05.2022</a:t>
             </a:fld>
             <a:endParaRPr lang="de-DE"/>
           </a:p>
@@ -14403,6 +14524,41 @@
           </a:prstGeom>
         </p:spPr>
       </p:pic>
+      <p:sp>
+        <p:nvSpPr>
+          <p:cNvPr id="6" name="Foliennummernplatzhalter 5">
+            <a:extLst>
+              <a:ext uri="{FF2B5EF4-FFF2-40B4-BE49-F238E27FC236}">
+                <a16:creationId xmlns:a16="http://schemas.microsoft.com/office/drawing/2014/main" id="{17702038-B345-0101-4FFC-EE333A3FBACD}"/>
+              </a:ext>
+            </a:extLst>
+          </p:cNvPr>
+          <p:cNvSpPr>
+            <a:spLocks noGrp="1"/>
+          </p:cNvSpPr>
+          <p:nvPr>
+            <p:ph type="sldNum" sz="quarter" idx="12"/>
+          </p:nvPr>
+        </p:nvSpPr>
+        <p:spPr/>
+        <p:txBody>
+          <a:bodyPr/>
+          <a:lstStyle/>
+          <a:p>
+            <a:pPr>
+              <a:defRPr/>
+            </a:pPr>
+            <a:fld id="{7F628ECD-1486-4417-BA78-D30482481923}" type="slidenum">
+              <a:rPr lang="de-DE" smtClean="0"/>
+              <a:pPr>
+                <a:defRPr/>
+              </a:pPr>
+              <a:t>6</a:t>
+            </a:fld>
+            <a:endParaRPr lang="de-DE"/>
+          </a:p>
+        </p:txBody>
+      </p:sp>
     </p:spTree>
     <p:extLst>
       <p:ext uri="{BB962C8B-B14F-4D97-AF65-F5344CB8AC3E}">
@@ -14518,9 +14674,9 @@
             <a:pPr>
               <a:defRPr/>
             </a:pPr>
-            <a:fld id="{053CC250-0F2B-454B-BB04-55CD16297F31}" type="datetime1">
+            <a:fld id="{C242FF6A-8536-4BE2-A08F-9CCF760A60D7}" type="datetime1">
               <a:rPr lang="de-DE" smtClean="0"/>
-              <a:t>24.05.2022</a:t>
+              <a:t>25.05.2022</a:t>
             </a:fld>
             <a:endParaRPr lang="de-DE"/>
           </a:p>
@@ -14593,6 +14749,41 @@
           </a:prstGeom>
         </p:spPr>
       </p:pic>
+      <p:sp>
+        <p:nvSpPr>
+          <p:cNvPr id="6" name="Foliennummernplatzhalter 5">
+            <a:extLst>
+              <a:ext uri="{FF2B5EF4-FFF2-40B4-BE49-F238E27FC236}">
+                <a16:creationId xmlns:a16="http://schemas.microsoft.com/office/drawing/2014/main" id="{B9560677-F356-2127-2796-B7CEF5091FEE}"/>
+              </a:ext>
+            </a:extLst>
+          </p:cNvPr>
+          <p:cNvSpPr>
+            <a:spLocks noGrp="1"/>
+          </p:cNvSpPr>
+          <p:nvPr>
+            <p:ph type="sldNum" sz="quarter" idx="12"/>
+          </p:nvPr>
+        </p:nvSpPr>
+        <p:spPr/>
+        <p:txBody>
+          <a:bodyPr/>
+          <a:lstStyle/>
+          <a:p>
+            <a:pPr>
+              <a:defRPr/>
+            </a:pPr>
+            <a:fld id="{7F628ECD-1486-4417-BA78-D30482481923}" type="slidenum">
+              <a:rPr lang="de-DE" smtClean="0"/>
+              <a:pPr>
+                <a:defRPr/>
+              </a:pPr>
+              <a:t>7</a:t>
+            </a:fld>
+            <a:endParaRPr lang="de-DE"/>
+          </a:p>
+        </p:txBody>
+      </p:sp>
     </p:spTree>
     <p:extLst>
       <p:ext uri="{BB962C8B-B14F-4D97-AF65-F5344CB8AC3E}">
@@ -14717,9 +14908,9 @@
             <a:pPr>
               <a:defRPr/>
             </a:pPr>
-            <a:fld id="{053CC250-0F2B-454B-BB04-55CD16297F31}" type="datetime1">
+            <a:fld id="{21040283-E1E2-499D-957F-C68FD4F9D5DD}" type="datetime1">
               <a:rPr lang="de-DE" smtClean="0"/>
-              <a:t>24.05.2022</a:t>
+              <a:t>25.05.2022</a:t>
             </a:fld>
             <a:endParaRPr lang="de-DE"/>
           </a:p>
@@ -14792,6 +14983,41 @@
           </a:prstGeom>
         </p:spPr>
       </p:pic>
+      <p:sp>
+        <p:nvSpPr>
+          <p:cNvPr id="6" name="Foliennummernplatzhalter 5">
+            <a:extLst>
+              <a:ext uri="{FF2B5EF4-FFF2-40B4-BE49-F238E27FC236}">
+                <a16:creationId xmlns:a16="http://schemas.microsoft.com/office/drawing/2014/main" id="{038112E9-12D9-5CC0-802A-F5C692C6C795}"/>
+              </a:ext>
+            </a:extLst>
+          </p:cNvPr>
+          <p:cNvSpPr>
+            <a:spLocks noGrp="1"/>
+          </p:cNvSpPr>
+          <p:nvPr>
+            <p:ph type="sldNum" sz="quarter" idx="12"/>
+          </p:nvPr>
+        </p:nvSpPr>
+        <p:spPr/>
+        <p:txBody>
+          <a:bodyPr/>
+          <a:lstStyle/>
+          <a:p>
+            <a:pPr>
+              <a:defRPr/>
+            </a:pPr>
+            <a:fld id="{7F628ECD-1486-4417-BA78-D30482481923}" type="slidenum">
+              <a:rPr lang="de-DE" smtClean="0"/>
+              <a:pPr>
+                <a:defRPr/>
+              </a:pPr>
+              <a:t>8</a:t>
+            </a:fld>
+            <a:endParaRPr lang="de-DE"/>
+          </a:p>
+        </p:txBody>
+      </p:sp>
     </p:spTree>
     <p:extLst>
       <p:ext uri="{BB962C8B-B14F-4D97-AF65-F5344CB8AC3E}">
@@ -14907,9 +15133,9 @@
             <a:pPr>
               <a:defRPr/>
             </a:pPr>
-            <a:fld id="{053CC250-0F2B-454B-BB04-55CD16297F31}" type="datetime1">
+            <a:fld id="{9CBAAE07-B103-4F76-AE65-FEFF2B895387}" type="datetime1">
               <a:rPr lang="de-DE" smtClean="0"/>
-              <a:t>24.05.2022</a:t>
+              <a:t>25.05.2022</a:t>
             </a:fld>
             <a:endParaRPr lang="de-DE"/>
           </a:p>
@@ -14946,12 +15172,47 @@
           </a:p>
         </p:txBody>
       </p:sp>
+      <p:sp>
+        <p:nvSpPr>
+          <p:cNvPr id="6" name="Foliennummernplatzhalter 5">
+            <a:extLst>
+              <a:ext uri="{FF2B5EF4-FFF2-40B4-BE49-F238E27FC236}">
+                <a16:creationId xmlns:a16="http://schemas.microsoft.com/office/drawing/2014/main" id="{E441F632-AD70-4A61-C440-87ECA627D827}"/>
+              </a:ext>
+            </a:extLst>
+          </p:cNvPr>
+          <p:cNvSpPr>
+            <a:spLocks noGrp="1"/>
+          </p:cNvSpPr>
+          <p:nvPr>
+            <p:ph type="sldNum" sz="quarter" idx="12"/>
+          </p:nvPr>
+        </p:nvSpPr>
+        <p:spPr/>
+        <p:txBody>
+          <a:bodyPr/>
+          <a:lstStyle/>
+          <a:p>
+            <a:pPr>
+              <a:defRPr/>
+            </a:pPr>
+            <a:fld id="{7F628ECD-1486-4417-BA78-D30482481923}" type="slidenum">
+              <a:rPr lang="de-DE" smtClean="0"/>
+              <a:pPr>
+                <a:defRPr/>
+              </a:pPr>
+              <a:t>9</a:t>
+            </a:fld>
+            <a:endParaRPr lang="de-DE"/>
+          </a:p>
+        </p:txBody>
+      </p:sp>
       <p:pic>
         <p:nvPicPr>
-          <p:cNvPr id="7" name="Grafik 6">
+          <p:cNvPr id="9" name="Grafik 8">
             <a:extLst>
               <a:ext uri="{FF2B5EF4-FFF2-40B4-BE49-F238E27FC236}">
-                <a16:creationId xmlns:a16="http://schemas.microsoft.com/office/drawing/2014/main" id="{2F12AA31-7B74-A16E-4162-AE27DBC22197}"/>
+                <a16:creationId xmlns:a16="http://schemas.microsoft.com/office/drawing/2014/main" id="{BB1B0B50-8186-1622-B44B-3EAA5DBDC756}"/>
               </a:ext>
             </a:extLst>
           </p:cNvPr>
@@ -14974,8 +15235,8 @@
         </p:blipFill>
         <p:spPr>
           <a:xfrm>
-            <a:off x="571365" y="2200233"/>
-            <a:ext cx="8001270" cy="2457533"/>
+            <a:off x="0" y="2783408"/>
+            <a:ext cx="9144000" cy="2207172"/>
           </a:xfrm>
           <a:prstGeom prst="rect">
             <a:avLst/>

--- a/BMS_Lab_Funktionsdesign und Implementierung.pptx
+++ b/BMS_Lab_Funktionsdesign und Implementierung.pptx
@@ -169,7 +169,7 @@
 <file path=ppt/revisionInfo.xml><?xml version="1.0" encoding="utf-8"?>
 <p1510:revInfo xmlns:a="http://schemas.openxmlformats.org/drawingml/2006/main" xmlns:r="http://schemas.openxmlformats.org/officeDocument/2006/relationships" xmlns:p1510="http://schemas.microsoft.com/office/powerpoint/2015/10/main">
   <p1510:revLst>
-    <p1510:client id="{F4958633-A18C-4EDE-8A28-66C343083A52}" v="1202" dt="2022-05-25T05:33:52.120"/>
+    <p1510:client id="{F4958633-A18C-4EDE-8A28-66C343083A52}" v="1204" dt="2022-05-25T07:34:15.926"/>
   </p1510:revLst>
 </p1510:revInfo>
 </file>
@@ -241,8 +241,8 @@
   </pc:docChgLst>
   <pc:docChgLst>
     <pc:chgData name="Leif Kahler" userId="5bc1ec70ba374ba0" providerId="LiveId" clId="{F4958633-A18C-4EDE-8A28-66C343083A52}"/>
-    <pc:docChg chg="undo redo custSel addSld delSld modSld">
-      <pc:chgData name="Leif Kahler" userId="5bc1ec70ba374ba0" providerId="LiveId" clId="{F4958633-A18C-4EDE-8A28-66C343083A52}" dt="2022-05-25T05:34:01.656" v="2668" actId="1076"/>
+    <pc:docChg chg="undo redo custSel addSld delSld modSld sldOrd">
+      <pc:chgData name="Leif Kahler" userId="5bc1ec70ba374ba0" providerId="LiveId" clId="{F4958633-A18C-4EDE-8A28-66C343083A52}" dt="2022-05-25T07:34:32.571" v="2680" actId="1076"/>
       <pc:docMkLst>
         <pc:docMk/>
       </pc:docMkLst>
@@ -588,7 +588,7 @@
         </pc:sldMkLst>
       </pc:sldChg>
       <pc:sldChg chg="addSp delSp modSp new mod">
-        <pc:chgData name="Leif Kahler" userId="5bc1ec70ba374ba0" providerId="LiveId" clId="{F4958633-A18C-4EDE-8A28-66C343083A52}" dt="2022-05-21T12:58:48.355" v="2484" actId="1076"/>
+        <pc:chgData name="Leif Kahler" userId="5bc1ec70ba374ba0" providerId="LiveId" clId="{F4958633-A18C-4EDE-8A28-66C343083A52}" dt="2022-05-25T07:30:45.296" v="2674" actId="1076"/>
         <pc:sldMkLst>
           <pc:docMk/>
           <pc:sldMk cId="1614935701" sldId="336"/>
@@ -626,7 +626,15 @@
           </ac:picMkLst>
         </pc:picChg>
         <pc:picChg chg="add mod">
-          <ac:chgData name="Leif Kahler" userId="5bc1ec70ba374ba0" providerId="LiveId" clId="{F4958633-A18C-4EDE-8A28-66C343083A52}" dt="2022-05-21T12:58:48.355" v="2484" actId="1076"/>
+          <ac:chgData name="Leif Kahler" userId="5bc1ec70ba374ba0" providerId="LiveId" clId="{F4958633-A18C-4EDE-8A28-66C343083A52}" dt="2022-05-25T07:30:45.296" v="2674" actId="1076"/>
+          <ac:picMkLst>
+            <pc:docMk/>
+            <pc:sldMk cId="1614935701" sldId="336"/>
+            <ac:picMk id="8" creationId="{13EA021F-20BC-29C5-06DA-A162AB879582}"/>
+          </ac:picMkLst>
+        </pc:picChg>
+        <pc:picChg chg="add del mod">
+          <ac:chgData name="Leif Kahler" userId="5bc1ec70ba374ba0" providerId="LiveId" clId="{F4958633-A18C-4EDE-8A28-66C343083A52}" dt="2022-05-25T07:30:40.647" v="2673" actId="478"/>
           <ac:picMkLst>
             <pc:docMk/>
             <pc:sldMk cId="1614935701" sldId="336"/>
@@ -744,7 +752,7 @@
         </pc:picChg>
       </pc:sldChg>
       <pc:sldChg chg="addSp delSp modSp new mod">
-        <pc:chgData name="Leif Kahler" userId="5bc1ec70ba374ba0" providerId="LiveId" clId="{F4958633-A18C-4EDE-8A28-66C343083A52}" dt="2022-05-24T15:36:37.847" v="2552" actId="1076"/>
+        <pc:chgData name="Leif Kahler" userId="5bc1ec70ba374ba0" providerId="LiveId" clId="{F4958633-A18C-4EDE-8A28-66C343083A52}" dt="2022-05-25T07:34:32.571" v="2680" actId="1076"/>
         <pc:sldMkLst>
           <pc:docMk/>
           <pc:sldMk cId="3684304728" sldId="340"/>
@@ -765,8 +773,8 @@
             <ac:spMk id="3" creationId="{A2D216E5-AD45-3CA9-20CF-7CDC03B5A532}"/>
           </ac:spMkLst>
         </pc:spChg>
-        <pc:picChg chg="add mod">
-          <ac:chgData name="Leif Kahler" userId="5bc1ec70ba374ba0" providerId="LiveId" clId="{F4958633-A18C-4EDE-8A28-66C343083A52}" dt="2022-05-24T15:36:37.847" v="2552" actId="1076"/>
+        <pc:picChg chg="add del mod">
+          <ac:chgData name="Leif Kahler" userId="5bc1ec70ba374ba0" providerId="LiveId" clId="{F4958633-A18C-4EDE-8A28-66C343083A52}" dt="2022-05-25T07:34:15.533" v="2675" actId="478"/>
           <ac:picMkLst>
             <pc:docMk/>
             <pc:sldMk cId="3684304728" sldId="340"/>
@@ -789,9 +797,17 @@
             <ac:picMk id="9" creationId="{C90910EE-D076-E1E6-1270-EAF53EA997DE}"/>
           </ac:picMkLst>
         </pc:picChg>
+        <pc:picChg chg="add mod">
+          <ac:chgData name="Leif Kahler" userId="5bc1ec70ba374ba0" providerId="LiveId" clId="{F4958633-A18C-4EDE-8A28-66C343083A52}" dt="2022-05-25T07:34:32.571" v="2680" actId="1076"/>
+          <ac:picMkLst>
+            <pc:docMk/>
+            <pc:sldMk cId="3684304728" sldId="340"/>
+            <ac:picMk id="9" creationId="{CD5953B5-743D-C196-B05B-D85C71954DFE}"/>
+          </ac:picMkLst>
+        </pc:picChg>
       </pc:sldChg>
-      <pc:sldChg chg="modSp new mod">
-        <pc:chgData name="Leif Kahler" userId="5bc1ec70ba374ba0" providerId="LiveId" clId="{F4958633-A18C-4EDE-8A28-66C343083A52}" dt="2022-05-21T12:59:48.296" v="2491" actId="20577"/>
+      <pc:sldChg chg="modSp new mod ord">
+        <pc:chgData name="Leif Kahler" userId="5bc1ec70ba374ba0" providerId="LiveId" clId="{F4958633-A18C-4EDE-8A28-66C343083A52}" dt="2022-05-25T07:30:14.474" v="2670"/>
         <pc:sldMkLst>
           <pc:docMk/>
           <pc:sldMk cId="3925991104" sldId="341"/>
@@ -14269,12 +14285,47 @@
           </a:p>
         </p:txBody>
       </p:sp>
+      <p:sp>
+        <p:nvSpPr>
+          <p:cNvPr id="6" name="Foliennummernplatzhalter 5">
+            <a:extLst>
+              <a:ext uri="{FF2B5EF4-FFF2-40B4-BE49-F238E27FC236}">
+                <a16:creationId xmlns:a16="http://schemas.microsoft.com/office/drawing/2014/main" id="{C2C7C40F-A51F-19FD-5933-A0A950B719DF}"/>
+              </a:ext>
+            </a:extLst>
+          </p:cNvPr>
+          <p:cNvSpPr>
+            <a:spLocks noGrp="1"/>
+          </p:cNvSpPr>
+          <p:nvPr>
+            <p:ph type="sldNum" sz="quarter" idx="12"/>
+          </p:nvPr>
+        </p:nvSpPr>
+        <p:spPr/>
+        <p:txBody>
+          <a:bodyPr/>
+          <a:lstStyle/>
+          <a:p>
+            <a:pPr>
+              <a:defRPr/>
+            </a:pPr>
+            <a:fld id="{7F628ECD-1486-4417-BA78-D30482481923}" type="slidenum">
+              <a:rPr lang="de-DE" smtClean="0"/>
+              <a:pPr>
+                <a:defRPr/>
+              </a:pPr>
+              <a:t>5</a:t>
+            </a:fld>
+            <a:endParaRPr lang="de-DE"/>
+          </a:p>
+        </p:txBody>
+      </p:sp>
       <p:pic>
         <p:nvPicPr>
-          <p:cNvPr id="9" name="Grafik 8">
+          <p:cNvPr id="8" name="Grafik 7">
             <a:extLst>
               <a:ext uri="{FF2B5EF4-FFF2-40B4-BE49-F238E27FC236}">
-                <a16:creationId xmlns:a16="http://schemas.microsoft.com/office/drawing/2014/main" id="{B6D9C60B-FB9C-9E3B-6DDC-88F75C4DCDF8}"/>
+                <a16:creationId xmlns:a16="http://schemas.microsoft.com/office/drawing/2014/main" id="{13EA021F-20BC-29C5-06DA-A162AB879582}"/>
               </a:ext>
             </a:extLst>
           </p:cNvPr>
@@ -14297,7 +14348,7 @@
         </p:blipFill>
         <p:spPr>
           <a:xfrm>
-            <a:off x="5583" y="2133852"/>
+            <a:off x="0" y="2130109"/>
             <a:ext cx="9144000" cy="3523343"/>
           </a:xfrm>
           <a:prstGeom prst="rect">
@@ -14305,41 +14356,6 @@
           </a:prstGeom>
         </p:spPr>
       </p:pic>
-      <p:sp>
-        <p:nvSpPr>
-          <p:cNvPr id="6" name="Foliennummernplatzhalter 5">
-            <a:extLst>
-              <a:ext uri="{FF2B5EF4-FFF2-40B4-BE49-F238E27FC236}">
-                <a16:creationId xmlns:a16="http://schemas.microsoft.com/office/drawing/2014/main" id="{C2C7C40F-A51F-19FD-5933-A0A950B719DF}"/>
-              </a:ext>
-            </a:extLst>
-          </p:cNvPr>
-          <p:cNvSpPr>
-            <a:spLocks noGrp="1"/>
-          </p:cNvSpPr>
-          <p:nvPr>
-            <p:ph type="sldNum" sz="quarter" idx="12"/>
-          </p:nvPr>
-        </p:nvSpPr>
-        <p:spPr/>
-        <p:txBody>
-          <a:bodyPr/>
-          <a:lstStyle/>
-          <a:p>
-            <a:pPr>
-              <a:defRPr/>
-            </a:pPr>
-            <a:fld id="{7F628ECD-1486-4417-BA78-D30482481923}" type="slidenum">
-              <a:rPr lang="de-DE" smtClean="0"/>
-              <a:pPr>
-                <a:defRPr/>
-              </a:pPr>
-              <a:t>5</a:t>
-            </a:fld>
-            <a:endParaRPr lang="de-DE"/>
-          </a:p>
-        </p:txBody>
-      </p:sp>
     </p:spTree>
     <p:extLst>
       <p:ext uri="{BB962C8B-B14F-4D97-AF65-F5344CB8AC3E}">
@@ -14713,12 +14729,47 @@
           </a:p>
         </p:txBody>
       </p:sp>
+      <p:sp>
+        <p:nvSpPr>
+          <p:cNvPr id="6" name="Foliennummernplatzhalter 5">
+            <a:extLst>
+              <a:ext uri="{FF2B5EF4-FFF2-40B4-BE49-F238E27FC236}">
+                <a16:creationId xmlns:a16="http://schemas.microsoft.com/office/drawing/2014/main" id="{B9560677-F356-2127-2796-B7CEF5091FEE}"/>
+              </a:ext>
+            </a:extLst>
+          </p:cNvPr>
+          <p:cNvSpPr>
+            <a:spLocks noGrp="1"/>
+          </p:cNvSpPr>
+          <p:nvPr>
+            <p:ph type="sldNum" sz="quarter" idx="12"/>
+          </p:nvPr>
+        </p:nvSpPr>
+        <p:spPr/>
+        <p:txBody>
+          <a:bodyPr/>
+          <a:lstStyle/>
+          <a:p>
+            <a:pPr>
+              <a:defRPr/>
+            </a:pPr>
+            <a:fld id="{7F628ECD-1486-4417-BA78-D30482481923}" type="slidenum">
+              <a:rPr lang="de-DE" smtClean="0"/>
+              <a:pPr>
+                <a:defRPr/>
+              </a:pPr>
+              <a:t>7</a:t>
+            </a:fld>
+            <a:endParaRPr lang="de-DE"/>
+          </a:p>
+        </p:txBody>
+      </p:sp>
       <p:pic>
         <p:nvPicPr>
-          <p:cNvPr id="7" name="Grafik 6">
+          <p:cNvPr id="9" name="Grafik 8">
             <a:extLst>
               <a:ext uri="{FF2B5EF4-FFF2-40B4-BE49-F238E27FC236}">
-                <a16:creationId xmlns:a16="http://schemas.microsoft.com/office/drawing/2014/main" id="{A8A4BB2D-FEDA-AF39-FDA9-986793713838}"/>
+                <a16:creationId xmlns:a16="http://schemas.microsoft.com/office/drawing/2014/main" id="{CD5953B5-743D-C196-B05B-D85C71954DFE}"/>
               </a:ext>
             </a:extLst>
           </p:cNvPr>
@@ -14741,49 +14792,14 @@
         </p:blipFill>
         <p:spPr>
           <a:xfrm>
-            <a:off x="598700" y="1915601"/>
-            <a:ext cx="7946599" cy="4239162"/>
+            <a:off x="814491" y="1925247"/>
+            <a:ext cx="7679721" cy="4151693"/>
           </a:xfrm>
           <a:prstGeom prst="rect">
             <a:avLst/>
           </a:prstGeom>
         </p:spPr>
       </p:pic>
-      <p:sp>
-        <p:nvSpPr>
-          <p:cNvPr id="6" name="Foliennummernplatzhalter 5">
-            <a:extLst>
-              <a:ext uri="{FF2B5EF4-FFF2-40B4-BE49-F238E27FC236}">
-                <a16:creationId xmlns:a16="http://schemas.microsoft.com/office/drawing/2014/main" id="{B9560677-F356-2127-2796-B7CEF5091FEE}"/>
-              </a:ext>
-            </a:extLst>
-          </p:cNvPr>
-          <p:cNvSpPr>
-            <a:spLocks noGrp="1"/>
-          </p:cNvSpPr>
-          <p:nvPr>
-            <p:ph type="sldNum" sz="quarter" idx="12"/>
-          </p:nvPr>
-        </p:nvSpPr>
-        <p:spPr/>
-        <p:txBody>
-          <a:bodyPr/>
-          <a:lstStyle/>
-          <a:p>
-            <a:pPr>
-              <a:defRPr/>
-            </a:pPr>
-            <a:fld id="{7F628ECD-1486-4417-BA78-D30482481923}" type="slidenum">
-              <a:rPr lang="de-DE" smtClean="0"/>
-              <a:pPr>
-                <a:defRPr/>
-              </a:pPr>
-              <a:t>7</a:t>
-            </a:fld>
-            <a:endParaRPr lang="de-DE"/>
-          </a:p>
-        </p:txBody>
-      </p:sp>
     </p:spTree>
     <p:extLst>
       <p:ext uri="{BB962C8B-B14F-4D97-AF65-F5344CB8AC3E}">
@@ -16112,6 +16128,12 @@
 </file>
 
 <file path=customXml/item1.xml><?xml version="1.0" encoding="utf-8"?>
+<p:properties xmlns:p="http://schemas.microsoft.com/office/2006/metadata/properties" xmlns:xsi="http://www.w3.org/2001/XMLSchema-instance" xmlns:pc="http://schemas.microsoft.com/office/infopath/2007/PartnerControls">
+  <documentManagement/>
+</p:properties>
+</file>
+
+<file path=customXml/item2.xml><?xml version="1.0" encoding="utf-8"?>
 <ct:contentTypeSchema xmlns:ct="http://schemas.microsoft.com/office/2006/metadata/contentType" xmlns:ma="http://schemas.microsoft.com/office/2006/metadata/properties/metaAttributes" ct:_="" ma:_="" ma:contentTypeName="Dokument" ma:contentTypeID="0x01010078C5E6C582D1AA43BAF27751C3D140EA" ma:contentTypeVersion="14" ma:contentTypeDescription="Ein neues Dokument erstellen." ma:contentTypeScope="" ma:versionID="dfd9e3120996f1ece0247dfcf46c721e">
   <xsd:schema xmlns:xsd="http://www.w3.org/2001/XMLSchema" xmlns:xs="http://www.w3.org/2001/XMLSchema" xmlns:p="http://schemas.microsoft.com/office/2006/metadata/properties" xmlns:ns3="ad8f1922-f31f-471d-9bd3-92f5adc1fa65" xmlns:ns4="cb03da72-cbb2-43d4-ab44-22c439ee9e73" targetNamespace="http://schemas.microsoft.com/office/2006/metadata/properties" ma:root="true" ma:fieldsID="dfc2393b50b106d7e5d5fcfe0aa0e392" ns3:_="" ns4:_="">
     <xsd:import namespace="ad8f1922-f31f-471d-9bd3-92f5adc1fa65"/>
@@ -16340,12 +16362,6 @@
 </ct:contentTypeSchema>
 </file>
 
-<file path=customXml/item2.xml><?xml version="1.0" encoding="utf-8"?>
-<p:properties xmlns:p="http://schemas.microsoft.com/office/2006/metadata/properties" xmlns:xsi="http://www.w3.org/2001/XMLSchema-instance" xmlns:pc="http://schemas.microsoft.com/office/infopath/2007/PartnerControls">
-  <documentManagement/>
-</p:properties>
-</file>
-
 <file path=customXml/item3.xml><?xml version="1.0" encoding="utf-8"?>
 <?mso-contentType ?>
 <FormTemplates xmlns="http://schemas.microsoft.com/sharepoint/v3/contenttype/forms">
@@ -16356,6 +16372,23 @@
 </file>
 
 <file path=customXml/itemProps1.xml><?xml version="1.0" encoding="utf-8"?>
+<ds:datastoreItem xmlns:ds="http://schemas.openxmlformats.org/officeDocument/2006/customXml" ds:itemID="{7EF94F45-2E23-4321-884B-70609BDD8A2C}">
+  <ds:schemaRefs>
+    <ds:schemaRef ds:uri="ad8f1922-f31f-471d-9bd3-92f5adc1fa65"/>
+    <ds:schemaRef ds:uri="cb03da72-cbb2-43d4-ab44-22c439ee9e73"/>
+    <ds:schemaRef ds:uri="http://purl.org/dc/dcmitype/"/>
+    <ds:schemaRef ds:uri="http://purl.org/dc/elements/1.1/"/>
+    <ds:schemaRef ds:uri="http://purl.org/dc/terms/"/>
+    <ds:schemaRef ds:uri="http://schemas.microsoft.com/office/2006/documentManagement/types"/>
+    <ds:schemaRef ds:uri="http://schemas.microsoft.com/office/2006/metadata/properties"/>
+    <ds:schemaRef ds:uri="http://schemas.microsoft.com/office/infopath/2007/PartnerControls"/>
+    <ds:schemaRef ds:uri="http://schemas.openxmlformats.org/package/2006/metadata/core-properties"/>
+    <ds:schemaRef ds:uri="http://www.w3.org/XML/1998/namespace"/>
+  </ds:schemaRefs>
+</ds:datastoreItem>
+</file>
+
+<file path=customXml/itemProps2.xml><?xml version="1.0" encoding="utf-8"?>
 <ds:datastoreItem xmlns:ds="http://schemas.openxmlformats.org/officeDocument/2006/customXml" ds:itemID="{ADEC74E6-248B-485E-9A08-90BF5DE98A98}">
   <ds:schemaRefs>
     <ds:schemaRef ds:uri="ad8f1922-f31f-471d-9bd3-92f5adc1fa65"/>
@@ -16374,23 +16407,6 @@
 </ds:datastoreItem>
 </file>
 
-<file path=customXml/itemProps2.xml><?xml version="1.0" encoding="utf-8"?>
-<ds:datastoreItem xmlns:ds="http://schemas.openxmlformats.org/officeDocument/2006/customXml" ds:itemID="{7EF94F45-2E23-4321-884B-70609BDD8A2C}">
-  <ds:schemaRefs>
-    <ds:schemaRef ds:uri="ad8f1922-f31f-471d-9bd3-92f5adc1fa65"/>
-    <ds:schemaRef ds:uri="cb03da72-cbb2-43d4-ab44-22c439ee9e73"/>
-    <ds:schemaRef ds:uri="http://purl.org/dc/dcmitype/"/>
-    <ds:schemaRef ds:uri="http://purl.org/dc/elements/1.1/"/>
-    <ds:schemaRef ds:uri="http://purl.org/dc/terms/"/>
-    <ds:schemaRef ds:uri="http://schemas.microsoft.com/office/2006/documentManagement/types"/>
-    <ds:schemaRef ds:uri="http://schemas.microsoft.com/office/2006/metadata/properties"/>
-    <ds:schemaRef ds:uri="http://schemas.microsoft.com/office/infopath/2007/PartnerControls"/>
-    <ds:schemaRef ds:uri="http://schemas.openxmlformats.org/package/2006/metadata/core-properties"/>
-    <ds:schemaRef ds:uri="http://www.w3.org/XML/1998/namespace"/>
-  </ds:schemaRefs>
-</ds:datastoreItem>
-</file>
-
 <file path=customXml/itemProps3.xml><?xml version="1.0" encoding="utf-8"?>
 <ds:datastoreItem xmlns:ds="http://schemas.openxmlformats.org/officeDocument/2006/customXml" ds:itemID="{32BC2F3B-C3DE-4DAB-ABE0-1C8C43DCF9C1}">
   <ds:schemaRefs>

--- a/BMS_Lab_Funktionsdesign und Implementierung.pptx
+++ b/BMS_Lab_Funktionsdesign und Implementierung.pptx
@@ -242,7 +242,7 @@
   <pc:docChgLst>
     <pc:chgData name="Leif Kahler" userId="5bc1ec70ba374ba0" providerId="LiveId" clId="{F4958633-A18C-4EDE-8A28-66C343083A52}"/>
     <pc:docChg chg="undo redo custSel addSld delSld modSld sldOrd">
-      <pc:chgData name="Leif Kahler" userId="5bc1ec70ba374ba0" providerId="LiveId" clId="{F4958633-A18C-4EDE-8A28-66C343083A52}" dt="2022-05-25T07:34:32.571" v="2680" actId="1076"/>
+      <pc:chgData name="Leif Kahler" userId="5bc1ec70ba374ba0" providerId="LiveId" clId="{F4958633-A18C-4EDE-8A28-66C343083A52}" dt="2022-05-25T11:40:03" v="2682"/>
       <pc:docMkLst>
         <pc:docMk/>
       </pc:docMkLst>
@@ -455,8 +455,8 @@
           </ac:spMkLst>
         </pc:spChg>
       </pc:sldChg>
-      <pc:sldChg chg="modSp new mod">
-        <pc:chgData name="Leif Kahler" userId="5bc1ec70ba374ba0" providerId="LiveId" clId="{F4958633-A18C-4EDE-8A28-66C343083A52}" dt="2022-05-25T04:58:45.561" v="2665" actId="20577"/>
+      <pc:sldChg chg="modSp new mod ord">
+        <pc:chgData name="Leif Kahler" userId="5bc1ec70ba374ba0" providerId="LiveId" clId="{F4958633-A18C-4EDE-8A28-66C343083A52}" dt="2022-05-25T11:40:03" v="2682"/>
         <pc:sldMkLst>
           <pc:docMk/>
           <pc:sldMk cId="1496020327" sldId="333"/>
@@ -16128,12 +16128,6 @@
 </file>
 
 <file path=customXml/item1.xml><?xml version="1.0" encoding="utf-8"?>
-<p:properties xmlns:p="http://schemas.microsoft.com/office/2006/metadata/properties" xmlns:xsi="http://www.w3.org/2001/XMLSchema-instance" xmlns:pc="http://schemas.microsoft.com/office/infopath/2007/PartnerControls">
-  <documentManagement/>
-</p:properties>
-</file>
-
-<file path=customXml/item2.xml><?xml version="1.0" encoding="utf-8"?>
 <ct:contentTypeSchema xmlns:ct="http://schemas.microsoft.com/office/2006/metadata/contentType" xmlns:ma="http://schemas.microsoft.com/office/2006/metadata/properties/metaAttributes" ct:_="" ma:_="" ma:contentTypeName="Dokument" ma:contentTypeID="0x01010078C5E6C582D1AA43BAF27751C3D140EA" ma:contentTypeVersion="14" ma:contentTypeDescription="Ein neues Dokument erstellen." ma:contentTypeScope="" ma:versionID="dfd9e3120996f1ece0247dfcf46c721e">
   <xsd:schema xmlns:xsd="http://www.w3.org/2001/XMLSchema" xmlns:xs="http://www.w3.org/2001/XMLSchema" xmlns:p="http://schemas.microsoft.com/office/2006/metadata/properties" xmlns:ns3="ad8f1922-f31f-471d-9bd3-92f5adc1fa65" xmlns:ns4="cb03da72-cbb2-43d4-ab44-22c439ee9e73" targetNamespace="http://schemas.microsoft.com/office/2006/metadata/properties" ma:root="true" ma:fieldsID="dfc2393b50b106d7e5d5fcfe0aa0e392" ns3:_="" ns4:_="">
     <xsd:import namespace="ad8f1922-f31f-471d-9bd3-92f5adc1fa65"/>
@@ -16362,6 +16356,12 @@
 </ct:contentTypeSchema>
 </file>
 
+<file path=customXml/item2.xml><?xml version="1.0" encoding="utf-8"?>
+<p:properties xmlns:p="http://schemas.microsoft.com/office/2006/metadata/properties" xmlns:xsi="http://www.w3.org/2001/XMLSchema-instance" xmlns:pc="http://schemas.microsoft.com/office/infopath/2007/PartnerControls">
+  <documentManagement/>
+</p:properties>
+</file>
+
 <file path=customXml/item3.xml><?xml version="1.0" encoding="utf-8"?>
 <?mso-contentType ?>
 <FormTemplates xmlns="http://schemas.microsoft.com/sharepoint/v3/contenttype/forms">
@@ -16372,23 +16372,6 @@
 </file>
 
 <file path=customXml/itemProps1.xml><?xml version="1.0" encoding="utf-8"?>
-<ds:datastoreItem xmlns:ds="http://schemas.openxmlformats.org/officeDocument/2006/customXml" ds:itemID="{7EF94F45-2E23-4321-884B-70609BDD8A2C}">
-  <ds:schemaRefs>
-    <ds:schemaRef ds:uri="ad8f1922-f31f-471d-9bd3-92f5adc1fa65"/>
-    <ds:schemaRef ds:uri="cb03da72-cbb2-43d4-ab44-22c439ee9e73"/>
-    <ds:schemaRef ds:uri="http://purl.org/dc/dcmitype/"/>
-    <ds:schemaRef ds:uri="http://purl.org/dc/elements/1.1/"/>
-    <ds:schemaRef ds:uri="http://purl.org/dc/terms/"/>
-    <ds:schemaRef ds:uri="http://schemas.microsoft.com/office/2006/documentManagement/types"/>
-    <ds:schemaRef ds:uri="http://schemas.microsoft.com/office/2006/metadata/properties"/>
-    <ds:schemaRef ds:uri="http://schemas.microsoft.com/office/infopath/2007/PartnerControls"/>
-    <ds:schemaRef ds:uri="http://schemas.openxmlformats.org/package/2006/metadata/core-properties"/>
-    <ds:schemaRef ds:uri="http://www.w3.org/XML/1998/namespace"/>
-  </ds:schemaRefs>
-</ds:datastoreItem>
-</file>
-
-<file path=customXml/itemProps2.xml><?xml version="1.0" encoding="utf-8"?>
 <ds:datastoreItem xmlns:ds="http://schemas.openxmlformats.org/officeDocument/2006/customXml" ds:itemID="{ADEC74E6-248B-485E-9A08-90BF5DE98A98}">
   <ds:schemaRefs>
     <ds:schemaRef ds:uri="ad8f1922-f31f-471d-9bd3-92f5adc1fa65"/>
@@ -16407,6 +16390,23 @@
 </ds:datastoreItem>
 </file>
 
+<file path=customXml/itemProps2.xml><?xml version="1.0" encoding="utf-8"?>
+<ds:datastoreItem xmlns:ds="http://schemas.openxmlformats.org/officeDocument/2006/customXml" ds:itemID="{7EF94F45-2E23-4321-884B-70609BDD8A2C}">
+  <ds:schemaRefs>
+    <ds:schemaRef ds:uri="ad8f1922-f31f-471d-9bd3-92f5adc1fa65"/>
+    <ds:schemaRef ds:uri="cb03da72-cbb2-43d4-ab44-22c439ee9e73"/>
+    <ds:schemaRef ds:uri="http://purl.org/dc/dcmitype/"/>
+    <ds:schemaRef ds:uri="http://purl.org/dc/elements/1.1/"/>
+    <ds:schemaRef ds:uri="http://purl.org/dc/terms/"/>
+    <ds:schemaRef ds:uri="http://schemas.microsoft.com/office/2006/documentManagement/types"/>
+    <ds:schemaRef ds:uri="http://schemas.microsoft.com/office/2006/metadata/properties"/>
+    <ds:schemaRef ds:uri="http://schemas.microsoft.com/office/infopath/2007/PartnerControls"/>
+    <ds:schemaRef ds:uri="http://schemas.openxmlformats.org/package/2006/metadata/core-properties"/>
+    <ds:schemaRef ds:uri="http://www.w3.org/XML/1998/namespace"/>
+  </ds:schemaRefs>
+</ds:datastoreItem>
+</file>
+
 <file path=customXml/itemProps3.xml><?xml version="1.0" encoding="utf-8"?>
 <ds:datastoreItem xmlns:ds="http://schemas.openxmlformats.org/officeDocument/2006/customXml" ds:itemID="{32BC2F3B-C3DE-4DAB-ABE0-1C8C43DCF9C1}">
   <ds:schemaRefs>
